--- a/group_presentation.pptx
+++ b/group_presentation.pptx
@@ -6,17 +6,25 @@
   </p:sldMasterIdLst>
   <p:sldIdLst>
     <p:sldId id="256" r:id="rId3"/>
-    <p:sldId id="257" r:id="rId4"/>
-    <p:sldId id="265" r:id="rId5"/>
-    <p:sldId id="266" r:id="rId6"/>
-    <p:sldId id="268" r:id="rId7"/>
-    <p:sldId id="262" r:id="rId8"/>
-    <p:sldId id="263" r:id="rId9"/>
-    <p:sldId id="269" r:id="rId10"/>
-    <p:sldId id="270" r:id="rId11"/>
-    <p:sldId id="271" r:id="rId12"/>
-    <p:sldId id="264" r:id="rId13"/>
-    <p:sldId id="272" r:id="rId14"/>
+    <p:sldId id="283" r:id="rId4"/>
+    <p:sldId id="257" r:id="rId5"/>
+    <p:sldId id="284" r:id="rId6"/>
+    <p:sldId id="265" r:id="rId7"/>
+    <p:sldId id="266" r:id="rId8"/>
+    <p:sldId id="268" r:id="rId9"/>
+    <p:sldId id="262" r:id="rId10"/>
+    <p:sldId id="263" r:id="rId11"/>
+    <p:sldId id="269" r:id="rId12"/>
+    <p:sldId id="270" r:id="rId13"/>
+    <p:sldId id="271" r:id="rId14"/>
+    <p:sldId id="264" r:id="rId15"/>
+    <p:sldId id="272" r:id="rId16"/>
+    <p:sldId id="276" r:id="rId17"/>
+    <p:sldId id="278" r:id="rId18"/>
+    <p:sldId id="280" r:id="rId19"/>
+    <p:sldId id="277" r:id="rId20"/>
+    <p:sldId id="281" r:id="rId21"/>
+    <p:sldId id="282" r:id="rId22"/>
   </p:sldIdLst>
   <p:sldSz cx="12192000" cy="6858000"/>
   <p:notesSz cx="6858000" cy="9144000"/>
@@ -2957,21 +2965,61 @@
             <p:ph type="subTitle" idx="1"/>
           </p:nvPr>
         </p:nvSpPr>
-        <p:spPr/>
-        <p:txBody>
-          <a:bodyPr/>
-          <a:p>
+        <p:spPr>
+          <a:xfrm>
+            <a:off x="1524000" y="3891598"/>
+            <a:ext cx="9144000" cy="1655762"/>
+          </a:xfrm>
+        </p:spPr>
+        <p:txBody>
+          <a:bodyPr>
+            <a:normAutofit lnSpcReduction="20000"/>
+          </a:bodyPr>
+          <a:p>
+            <a:r>
+              <a:rPr lang="en-US" altLang="zh-CN" b="1"/>
+              <a:t>Chen Ang </a:t>
+            </a:r>
             <a:r>
               <a:rPr lang="en-US" altLang="zh-CN"/>
-              <a:t>Chen Ang (118010009)</a:t>
+              <a:t>(118010009)</a:t>
             </a:r>
             <a:endParaRPr lang="en-US" altLang="zh-CN"/>
           </a:p>
           <a:p>
             <a:r>
+              <a:rPr lang="en-US" altLang="zh-CN" b="1"/>
+              <a:t>Liu Junda </a:t>
+            </a:r>
+            <a:r>
               <a:rPr lang="en-US" altLang="zh-CN"/>
-              <a:t>xxx</a:t>
-            </a:r>
+              <a:t>(118010184)</a:t>
+            </a:r>
+            <a:endParaRPr lang="en-US" altLang="zh-CN"/>
+          </a:p>
+          <a:p>
+            <a:r>
+              <a:rPr lang="en-US" altLang="zh-CN" b="1"/>
+              <a:t>Xu Yawei </a:t>
+            </a:r>
+            <a:r>
+              <a:rPr lang="en-US" altLang="zh-CN"/>
+              <a:t>(118010360)</a:t>
+            </a:r>
+            <a:endParaRPr lang="en-US" altLang="zh-CN"/>
+          </a:p>
+          <a:p>
+            <a:r>
+              <a:rPr lang="en-US" altLang="zh-CN" b="1"/>
+              <a:t>Zhao Changhao </a:t>
+            </a:r>
+            <a:r>
+              <a:rPr lang="en-US" altLang="zh-CN"/>
+              <a:t>(118010435)</a:t>
+            </a:r>
+            <a:endParaRPr lang="en-US" altLang="zh-CN"/>
+          </a:p>
+          <a:p>
             <a:endParaRPr lang="en-US" altLang="zh-CN"/>
           </a:p>
         </p:txBody>
@@ -2996,14 +3044,14 @@
       <p:grpSpPr/>
       <p:sp>
         <p:nvSpPr>
-          <p:cNvPr id="3" name="文本框 2"/>
+          <p:cNvPr id="22" name="文本框 21"/>
           <p:cNvSpPr txBox="1"/>
           <p:nvPr/>
         </p:nvSpPr>
         <p:spPr>
           <a:xfrm>
-            <a:off x="5101908" y="2782570"/>
-            <a:ext cx="1988185" cy="891540"/>
+            <a:off x="223520" y="399415"/>
+            <a:ext cx="6145530" cy="706755"/>
           </a:xfrm>
           <a:prstGeom prst="rect">
             <a:avLst/>
@@ -3011,41 +3059,144 @@
           <a:noFill/>
         </p:spPr>
         <p:txBody>
-          <a:bodyPr wrap="none" rtlCol="0" anchor="t">
+          <a:bodyPr wrap="none" rtlCol="0">
             <a:spAutoFit/>
           </a:bodyPr>
           <a:p>
-            <a:pPr algn="ctr"/>
-            <a:r>
-              <a:rPr lang="en-US" sz="3200" b="1">
+            <a:pPr algn="l"/>
+            <a:r>
+              <a:rPr lang="en-US" altLang="zh-CN" sz="4000" b="1">
                 <a:latin typeface="+mj-lt"/>
                 <a:cs typeface="+mj-lt"/>
-                <a:sym typeface="+mn-ea"/>
-              </a:rPr>
-              <a:t>Chen Ang</a:t>
-            </a:r>
-            <a:endParaRPr lang="en-US" sz="3200" b="1">
+              </a:rPr>
+              <a:t>Visual Analytics (Customers)</a:t>
+            </a:r>
+            <a:endParaRPr lang="en-US" altLang="zh-CN" sz="4000" b="1">
               <a:latin typeface="+mj-lt"/>
               <a:cs typeface="+mj-lt"/>
-              <a:sym typeface="+mn-ea"/>
             </a:endParaRPr>
           </a:p>
-          <a:p>
-            <a:pPr algn="ctr"/>
-            <a:r>
-              <a:rPr lang="en-US" altLang="zh-CN" sz="2000" b="1">
+        </p:txBody>
+      </p:sp>
+      <p:sp>
+        <p:nvSpPr>
+          <p:cNvPr id="9" name="文本框 8"/>
+          <p:cNvSpPr txBox="1"/>
+          <p:nvPr/>
+        </p:nvSpPr>
+        <p:spPr>
+          <a:xfrm>
+            <a:off x="1835150" y="5160010"/>
+            <a:ext cx="2460625" cy="429895"/>
+          </a:xfrm>
+          <a:prstGeom prst="rect">
+            <a:avLst/>
+          </a:prstGeom>
+          <a:noFill/>
+        </p:spPr>
+        <p:txBody>
+          <a:bodyPr wrap="none" rtlCol="0">
+            <a:spAutoFit/>
+          </a:bodyPr>
+          <a:p>
+            <a:r>
+              <a:rPr lang="en-US" altLang="zh-CN" sz="2200" b="1" i="1"/>
+              <a:t>Gender Distribution</a:t>
+            </a:r>
+            <a:endParaRPr lang="en-US" altLang="zh-CN" sz="2200" b="1" i="1"/>
+          </a:p>
+        </p:txBody>
+      </p:sp>
+      <p:sp>
+        <p:nvSpPr>
+          <p:cNvPr id="12" name="文本框 11"/>
+          <p:cNvSpPr txBox="1"/>
+          <p:nvPr/>
+        </p:nvSpPr>
+        <p:spPr>
+          <a:xfrm>
+            <a:off x="7773670" y="5160010"/>
+            <a:ext cx="2600960" cy="429895"/>
+          </a:xfrm>
+          <a:prstGeom prst="rect">
+            <a:avLst/>
+          </a:prstGeom>
+          <a:noFill/>
+        </p:spPr>
+        <p:txBody>
+          <a:bodyPr wrap="none" rtlCol="0">
+            <a:spAutoFit/>
+          </a:bodyPr>
+          <a:p>
+            <a:pPr algn="l"/>
+            <a:r>
+              <a:rPr lang="en-US" altLang="zh-CN" sz="2200" b="1" i="1">
                 <a:sym typeface="+mn-ea"/>
               </a:rPr>
-              <a:t>(Querying Agent)</a:t>
-            </a:r>
-            <a:endParaRPr lang="en-US" altLang="zh-CN" sz="2000" b="1">
-              <a:latin typeface="+mj-lt"/>
-              <a:cs typeface="+mj-lt"/>
-              <a:sym typeface="+mn-ea"/>
-            </a:endParaRPr>
-          </a:p>
-        </p:txBody>
-      </p:sp>
+              <a:t>Location Distribution</a:t>
+            </a:r>
+            <a:endParaRPr lang="en-US" altLang="zh-CN" sz="2200" b="1" i="1"/>
+          </a:p>
+        </p:txBody>
+      </p:sp>
+      <p:pic>
+        <p:nvPicPr>
+          <p:cNvPr id="4" name="图片 3" descr="location"/>
+          <p:cNvPicPr>
+            <a:picLocks noChangeAspect="1"/>
+          </p:cNvPicPr>
+          <p:nvPr/>
+        </p:nvPicPr>
+        <p:blipFill>
+          <a:blip r:embed="rId1"/>
+          <a:stretch>
+            <a:fillRect/>
+          </a:stretch>
+        </p:blipFill>
+        <p:spPr>
+          <a:xfrm>
+            <a:off x="6369050" y="1929130"/>
+            <a:ext cx="5410200" cy="3134360"/>
+          </a:xfrm>
+          <a:prstGeom prst="rect">
+            <a:avLst/>
+          </a:prstGeom>
+          <a:ln w="25400">
+            <a:solidFill>
+              <a:schemeClr val="tx1"/>
+            </a:solidFill>
+          </a:ln>
+        </p:spPr>
+      </p:pic>
+      <p:pic>
+        <p:nvPicPr>
+          <p:cNvPr id="5" name="图片 4" descr="gender"/>
+          <p:cNvPicPr>
+            <a:picLocks noChangeAspect="1"/>
+          </p:cNvPicPr>
+          <p:nvPr/>
+        </p:nvPicPr>
+        <p:blipFill>
+          <a:blip r:embed="rId2"/>
+          <a:stretch>
+            <a:fillRect/>
+          </a:stretch>
+        </p:blipFill>
+        <p:spPr>
+          <a:xfrm>
+            <a:off x="362585" y="1929130"/>
+            <a:ext cx="5406390" cy="3134360"/>
+          </a:xfrm>
+          <a:prstGeom prst="rect">
+            <a:avLst/>
+          </a:prstGeom>
+          <a:ln w="25400">
+            <a:solidFill>
+              <a:schemeClr val="tx1"/>
+            </a:solidFill>
+          </a:ln>
+        </p:spPr>
+      </p:pic>
     </p:spTree>
   </p:cSld>
   <p:clrMapOvr>
@@ -3055,6 +3206,128 @@
 </file>
 
 <file path=ppt/slides/slide11.xml><?xml version="1.0" encoding="utf-8"?>
+<p:sld xmlns:a="http://schemas.openxmlformats.org/drawingml/2006/main" xmlns:r="http://schemas.openxmlformats.org/officeDocument/2006/relationships" xmlns:p="http://schemas.openxmlformats.org/presentationml/2006/main">
+  <p:cSld>
+    <p:spTree>
+      <p:nvGrpSpPr>
+        <p:cNvPr id="1" name=""/>
+        <p:cNvGrpSpPr/>
+        <p:nvPr/>
+      </p:nvGrpSpPr>
+      <p:grpSpPr/>
+      <p:sp>
+        <p:nvSpPr>
+          <p:cNvPr id="3" name="文本框 2"/>
+          <p:cNvSpPr txBox="1"/>
+          <p:nvPr/>
+        </p:nvSpPr>
+        <p:spPr>
+          <a:xfrm>
+            <a:off x="3044190" y="2782570"/>
+            <a:ext cx="6103620" cy="829945"/>
+          </a:xfrm>
+          <a:prstGeom prst="rect">
+            <a:avLst/>
+          </a:prstGeom>
+          <a:noFill/>
+        </p:spPr>
+        <p:txBody>
+          <a:bodyPr wrap="none" rtlCol="0" anchor="t">
+            <a:spAutoFit/>
+          </a:bodyPr>
+          <a:p>
+            <a:pPr algn="ctr"/>
+            <a:r>
+              <a:rPr lang="en-US" sz="4800" b="1">
+                <a:latin typeface="+mj-lt"/>
+                <a:cs typeface="+mj-lt"/>
+                <a:sym typeface="+mn-ea"/>
+              </a:rPr>
+              <a:t>Members' Contribution</a:t>
+            </a:r>
+            <a:endParaRPr lang="en-US" sz="4800"/>
+          </a:p>
+        </p:txBody>
+      </p:sp>
+    </p:spTree>
+  </p:cSld>
+  <p:clrMapOvr>
+    <a:masterClrMapping/>
+  </p:clrMapOvr>
+</p:sld>
+</file>
+
+<file path=ppt/slides/slide12.xml><?xml version="1.0" encoding="utf-8"?>
+<p:sld xmlns:a="http://schemas.openxmlformats.org/drawingml/2006/main" xmlns:r="http://schemas.openxmlformats.org/officeDocument/2006/relationships" xmlns:p="http://schemas.openxmlformats.org/presentationml/2006/main">
+  <p:cSld>
+    <p:spTree>
+      <p:nvGrpSpPr>
+        <p:cNvPr id="1" name=""/>
+        <p:cNvGrpSpPr/>
+        <p:nvPr/>
+      </p:nvGrpSpPr>
+      <p:grpSpPr/>
+      <p:sp>
+        <p:nvSpPr>
+          <p:cNvPr id="3" name="文本框 2"/>
+          <p:cNvSpPr txBox="1"/>
+          <p:nvPr/>
+        </p:nvSpPr>
+        <p:spPr>
+          <a:xfrm>
+            <a:off x="5101908" y="2782570"/>
+            <a:ext cx="1988185" cy="891540"/>
+          </a:xfrm>
+          <a:prstGeom prst="rect">
+            <a:avLst/>
+          </a:prstGeom>
+          <a:noFill/>
+        </p:spPr>
+        <p:txBody>
+          <a:bodyPr wrap="none" rtlCol="0" anchor="t">
+            <a:spAutoFit/>
+          </a:bodyPr>
+          <a:p>
+            <a:pPr algn="ctr"/>
+            <a:r>
+              <a:rPr lang="en-US" sz="3200" b="1">
+                <a:latin typeface="+mj-lt"/>
+                <a:cs typeface="+mj-lt"/>
+                <a:sym typeface="+mn-ea"/>
+              </a:rPr>
+              <a:t>Chen Ang</a:t>
+            </a:r>
+            <a:endParaRPr lang="en-US" sz="3200" b="1">
+              <a:latin typeface="+mj-lt"/>
+              <a:cs typeface="+mj-lt"/>
+              <a:sym typeface="+mn-ea"/>
+            </a:endParaRPr>
+          </a:p>
+          <a:p>
+            <a:pPr algn="ctr"/>
+            <a:r>
+              <a:rPr lang="en-US" altLang="zh-CN" sz="2000" b="1">
+                <a:sym typeface="+mn-ea"/>
+              </a:rPr>
+              <a:t>(Querying Agent)</a:t>
+            </a:r>
+            <a:endParaRPr lang="en-US" altLang="zh-CN" sz="2000" b="1">
+              <a:latin typeface="+mj-lt"/>
+              <a:cs typeface="+mj-lt"/>
+              <a:sym typeface="+mn-ea"/>
+            </a:endParaRPr>
+          </a:p>
+        </p:txBody>
+      </p:sp>
+    </p:spTree>
+  </p:cSld>
+  <p:clrMapOvr>
+    <a:masterClrMapping/>
+  </p:clrMapOvr>
+</p:sld>
+</file>
+
+<file path=ppt/slides/slide13.xml><?xml version="1.0" encoding="utf-8"?>
 <p:sld xmlns:a="http://schemas.openxmlformats.org/drawingml/2006/main" xmlns:r="http://schemas.openxmlformats.org/officeDocument/2006/relationships" xmlns:p="http://schemas.openxmlformats.org/presentationml/2006/main">
   <p:cSld>
     <p:spTree>
@@ -3520,7 +3793,7 @@
 </p:sld>
 </file>
 
-<file path=ppt/slides/slide12.xml><?xml version="1.0" encoding="utf-8"?>
+<file path=ppt/slides/slide14.xml><?xml version="1.0" encoding="utf-8"?>
 <p:sld xmlns:a="http://schemas.openxmlformats.org/drawingml/2006/main" xmlns:r="http://schemas.openxmlformats.org/officeDocument/2006/relationships" xmlns:p="http://schemas.openxmlformats.org/presentationml/2006/main">
   <p:cSld>
     <p:spTree>
@@ -3923,7 +4196,7 @@
         <p:spPr>
           <a:xfrm>
             <a:off x="7385050" y="5033645"/>
-            <a:ext cx="1852295" cy="429895"/>
+            <a:ext cx="2007870" cy="429895"/>
           </a:xfrm>
           <a:prstGeom prst="rect">
             <a:avLst/>
@@ -3936,8 +4209,15 @@
           </a:bodyPr>
           <a:p>
             <a:r>
+              <a:rPr lang="en-US" altLang="zh-CN" b="1">
+                <a:latin typeface="Cascadia Mono SemiBold" panose="020B0609020000020004" charset="0"/>
+                <a:cs typeface="Cascadia Mono SemiBold" panose="020B0609020000020004" charset="0"/>
+              </a:rPr>
+              <a:t>Analytics</a:t>
+            </a:r>
+            <a:r>
               <a:rPr lang="en-US" altLang="zh-CN" sz="2200" b="1" i="1"/>
-              <a:t>Analytics class</a:t>
+              <a:t> class</a:t>
             </a:r>
             <a:endParaRPr lang="en-US" altLang="zh-CN" sz="2200" b="1" i="1"/>
           </a:p>
@@ -4069,7 +4349,7 @@
 </p:sld>
 </file>
 
-<file path=ppt/slides/slide2.xml><?xml version="1.0" encoding="utf-8"?>
+<file path=ppt/slides/slide15.xml><?xml version="1.0" encoding="utf-8"?>
 <p:sld xmlns:a="http://schemas.openxmlformats.org/drawingml/2006/main" xmlns:r="http://schemas.openxmlformats.org/officeDocument/2006/relationships" xmlns:p="http://schemas.openxmlformats.org/presentationml/2006/main">
   <p:cSld>
     <p:spTree>
@@ -4081,14 +4361,14 @@
       <p:grpSpPr/>
       <p:sp>
         <p:nvSpPr>
-          <p:cNvPr id="7" name="文本框 6"/>
+          <p:cNvPr id="3" name="文本框 2"/>
           <p:cNvSpPr txBox="1"/>
           <p:nvPr/>
         </p:nvSpPr>
         <p:spPr>
           <a:xfrm>
-            <a:off x="259398" y="3566160"/>
-            <a:ext cx="2090420" cy="953135"/>
+            <a:off x="5248593" y="2782570"/>
+            <a:ext cx="1694815" cy="891540"/>
           </a:xfrm>
           <a:prstGeom prst="rect">
             <a:avLst/>
@@ -4096,37 +4376,69 @@
           <a:noFill/>
         </p:spPr>
         <p:txBody>
-          <a:bodyPr wrap="none" rtlCol="0">
+          <a:bodyPr wrap="none" rtlCol="0" anchor="t">
             <a:spAutoFit/>
           </a:bodyPr>
           <a:p>
             <a:pPr algn="ctr"/>
             <a:r>
-              <a:rPr lang="en-US" altLang="zh-CN" sz="2800" b="1"/>
-              <a:t>E-commerce </a:t>
-            </a:r>
-            <a:endParaRPr lang="en-US" altLang="zh-CN" sz="2800" b="1"/>
+              <a:rPr lang="en-US" sz="3200" b="1">
+                <a:latin typeface="+mj-lt"/>
+                <a:cs typeface="+mj-lt"/>
+                <a:sym typeface="+mn-ea"/>
+              </a:rPr>
+              <a:t>Xu Yawei</a:t>
+            </a:r>
+            <a:endParaRPr lang="en-US" sz="3200" b="1">
+              <a:latin typeface="+mj-lt"/>
+              <a:cs typeface="+mj-lt"/>
+              <a:sym typeface="+mn-ea"/>
+            </a:endParaRPr>
           </a:p>
           <a:p>
             <a:pPr algn="ctr"/>
             <a:r>
-              <a:rPr lang="en-US" altLang="zh-CN" sz="2800" b="1"/>
-              <a:t>Database</a:t>
-            </a:r>
-            <a:endParaRPr lang="en-US" altLang="zh-CN" sz="2800" b="1"/>
-          </a:p>
-        </p:txBody>
-      </p:sp>
-      <p:sp>
-        <p:nvSpPr>
-          <p:cNvPr id="10" name="文本框 9"/>
+              <a:rPr lang="en-US" altLang="zh-CN" sz="2000" b="1">
+                <a:sym typeface="+mn-ea"/>
+              </a:rPr>
+              <a:t>(GUI)</a:t>
+            </a:r>
+            <a:endParaRPr lang="en-US" altLang="zh-CN" sz="2000" b="1">
+              <a:latin typeface="+mj-lt"/>
+              <a:cs typeface="+mj-lt"/>
+              <a:sym typeface="+mn-ea"/>
+            </a:endParaRPr>
+          </a:p>
+        </p:txBody>
+      </p:sp>
+    </p:spTree>
+  </p:cSld>
+  <p:clrMapOvr>
+    <a:masterClrMapping/>
+  </p:clrMapOvr>
+</p:sld>
+</file>
+
+<file path=ppt/slides/slide16.xml><?xml version="1.0" encoding="utf-8"?>
+<p:sld xmlns:a="http://schemas.openxmlformats.org/drawingml/2006/main" xmlns:r="http://schemas.openxmlformats.org/officeDocument/2006/relationships" xmlns:p="http://schemas.openxmlformats.org/presentationml/2006/main">
+  <p:cSld>
+    <p:spTree>
+      <p:nvGrpSpPr>
+        <p:cNvPr id="1" name=""/>
+        <p:cNvGrpSpPr/>
+        <p:nvPr/>
+      </p:nvGrpSpPr>
+      <p:grpSpPr/>
+      <p:sp>
+        <p:nvSpPr>
+          <p:cNvPr id="3" name="文本框 2"/>
           <p:cNvSpPr txBox="1"/>
           <p:nvPr/>
         </p:nvSpPr>
         <p:spPr>
           <a:xfrm>
-            <a:off x="9284970" y="3434715"/>
-            <a:ext cx="2422525" cy="953135"/>
+            <a:off x="4942841" y="2782570"/>
+            <a:ext cx="2306320" cy="891540"/>
           </a:xfrm>
           <a:prstGeom prst="rect">
             <a:avLst/>
@@ -4134,59 +4446,113 @@
           <a:noFill/>
         </p:spPr>
         <p:txBody>
-          <a:bodyPr wrap="none" rtlCol="0">
+          <a:bodyPr wrap="none" rtlCol="0" anchor="t">
             <a:spAutoFit/>
           </a:bodyPr>
           <a:p>
             <a:pPr algn="ctr"/>
             <a:r>
-              <a:rPr lang="en-US" altLang="zh-CN" sz="2800" b="1"/>
-              <a:t>Graphical User </a:t>
-            </a:r>
-            <a:endParaRPr lang="en-US" altLang="zh-CN" sz="2800" b="1"/>
+              <a:rPr lang="en-US" sz="3200" b="1">
+                <a:latin typeface="+mj-lt"/>
+                <a:cs typeface="+mj-lt"/>
+                <a:sym typeface="+mn-ea"/>
+              </a:rPr>
+              <a:t>Liu Junda</a:t>
+            </a:r>
+            <a:endParaRPr lang="en-US" sz="3200" b="1">
+              <a:latin typeface="+mj-lt"/>
+              <a:cs typeface="+mj-lt"/>
+              <a:sym typeface="+mn-ea"/>
+            </a:endParaRPr>
           </a:p>
           <a:p>
             <a:pPr algn="ctr"/>
             <a:r>
-              <a:rPr lang="en-US" altLang="zh-CN" sz="2800" b="1"/>
-              <a:t>Interface</a:t>
-            </a:r>
-            <a:endParaRPr lang="en-US" altLang="zh-CN" sz="2800" b="1"/>
-          </a:p>
-        </p:txBody>
-      </p:sp>
-      <p:sp>
-        <p:nvSpPr>
-          <p:cNvPr id="11" name="文本框 10"/>
-          <p:cNvSpPr txBox="1"/>
+              <a:rPr lang="en-US" altLang="zh-CN" sz="2000" b="1">
+                <a:sym typeface="+mn-ea"/>
+              </a:rPr>
+              <a:t>(</a:t>
+            </a:r>
+            <a:r>
+              <a:rPr lang="en-US" altLang="zh-CN" sz="2000" b="1">
+                <a:sym typeface="+mn-ea"/>
+              </a:rPr>
+              <a:t>Database Schemas</a:t>
+            </a:r>
+            <a:r>
+              <a:rPr lang="en-US" altLang="zh-CN" sz="2000" b="1">
+                <a:sym typeface="+mn-ea"/>
+              </a:rPr>
+              <a:t>)</a:t>
+            </a:r>
+            <a:endParaRPr lang="en-US" altLang="zh-CN" sz="2000" b="1">
+              <a:latin typeface="+mj-lt"/>
+              <a:cs typeface="+mj-lt"/>
+              <a:sym typeface="+mn-ea"/>
+            </a:endParaRPr>
+          </a:p>
+        </p:txBody>
+      </p:sp>
+    </p:spTree>
+  </p:cSld>
+  <p:clrMapOvr>
+    <a:masterClrMapping/>
+  </p:clrMapOvr>
+</p:sld>
+</file>
+
+<file path=ppt/slides/slide17.xml><?xml version="1.0" encoding="utf-8"?>
+<p:sld xmlns:a="http://schemas.openxmlformats.org/drawingml/2006/main" xmlns:r="http://schemas.openxmlformats.org/officeDocument/2006/relationships" xmlns:p="http://schemas.openxmlformats.org/presentationml/2006/main">
+  <p:cSld>
+    <p:spTree>
+      <p:nvGrpSpPr>
+        <p:cNvPr id="1" name=""/>
+        <p:cNvGrpSpPr/>
+        <p:nvPr/>
+      </p:nvGrpSpPr>
+      <p:grpSpPr/>
+      <p:sp>
+        <p:nvSpPr>
+          <p:cNvPr id="7" name="矩形 6"/>
+          <p:cNvSpPr/>
           <p:nvPr/>
         </p:nvSpPr>
         <p:spPr>
           <a:xfrm>
-            <a:off x="4605020" y="3612515"/>
-            <a:ext cx="2490470" cy="521970"/>
+            <a:off x="7132955" y="-267970"/>
+            <a:ext cx="5379720" cy="7583170"/>
           </a:xfrm>
           <a:prstGeom prst="rect">
             <a:avLst/>
           </a:prstGeom>
-          <a:noFill/>
-        </p:spPr>
-        <p:txBody>
-          <a:bodyPr wrap="none" rtlCol="0">
-            <a:spAutoFit/>
-          </a:bodyPr>
-          <a:p>
-            <a:r>
-              <a:rPr lang="en-US" altLang="zh-CN" sz="2800" b="1"/>
-              <a:t>Querying Agent</a:t>
-            </a:r>
-            <a:endParaRPr lang="en-US" altLang="zh-CN" sz="2800" b="1"/>
+        </p:spPr>
+        <p:style>
+          <a:lnRef idx="2">
+            <a:schemeClr val="dk1">
+              <a:shade val="50000"/>
+            </a:schemeClr>
+          </a:lnRef>
+          <a:fillRef idx="1">
+            <a:schemeClr val="dk1"/>
+          </a:fillRef>
+          <a:effectRef idx="0">
+            <a:schemeClr val="dk1"/>
+          </a:effectRef>
+          <a:fontRef idx="minor">
+            <a:schemeClr val="lt1"/>
+          </a:fontRef>
+        </p:style>
+        <p:txBody>
+          <a:bodyPr rtlCol="0" anchor="ctr"/>
+          <a:p>
+            <a:pPr algn="ctr"/>
+            <a:endParaRPr lang="zh-CN" altLang="en-US"/>
           </a:p>
         </p:txBody>
       </p:sp>
       <p:pic>
         <p:nvPicPr>
-          <p:cNvPr id="13" name="图片 12"/>
+          <p:cNvPr id="2" name="图片 1"/>
           <p:cNvPicPr>
             <a:picLocks noChangeAspect="1"/>
           </p:cNvPicPr>
@@ -4200,32 +4566,400 @@
         </p:blipFill>
         <p:spPr>
           <a:xfrm>
-            <a:off x="5572125" y="2995295"/>
-            <a:ext cx="556260" cy="617220"/>
+            <a:off x="261620" y="53340"/>
+            <a:ext cx="6656705" cy="6750685"/>
           </a:xfrm>
           <a:prstGeom prst="rect">
             <a:avLst/>
           </a:prstGeom>
         </p:spPr>
       </p:pic>
+      <p:sp>
+        <p:nvSpPr>
+          <p:cNvPr id="6" name="文本框 5"/>
+          <p:cNvSpPr txBox="1"/>
+          <p:nvPr/>
+        </p:nvSpPr>
+        <p:spPr>
+          <a:xfrm>
+            <a:off x="7361555" y="367030"/>
+            <a:ext cx="8107045" cy="2306955"/>
+          </a:xfrm>
+          <a:prstGeom prst="rect">
+            <a:avLst/>
+          </a:prstGeom>
+          <a:noFill/>
+        </p:spPr>
+        <p:txBody>
+          <a:bodyPr wrap="square" rtlCol="0" anchor="t">
+            <a:spAutoFit/>
+          </a:bodyPr>
+          <a:p>
+            <a:pPr marL="285750" indent="-285750" fontAlgn="auto">
+              <a:lnSpc>
+                <a:spcPct val="150000"/>
+              </a:lnSpc>
+              <a:buFont typeface="Arial" panose="020B0604020202020204" pitchFamily="34" charset="0"/>
+              <a:buChar char="•"/>
+            </a:pPr>
+            <a:r>
+              <a:rPr lang="zh-CN" altLang="en-US" sz="1600">
+                <a:solidFill>
+                  <a:schemeClr val="bg1"/>
+                </a:solidFill>
+                <a:cs typeface="+mn-lt"/>
+              </a:rPr>
+              <a:t>orders(</a:t>
+            </a:r>
+            <a:r>
+              <a:rPr lang="zh-CN" altLang="en-US" sz="1600" b="1" i="1" u="sng">
+                <a:solidFill>
+                  <a:schemeClr val="bg1"/>
+                </a:solidFill>
+                <a:cs typeface="+mn-lt"/>
+              </a:rPr>
+              <a:t>orderID</a:t>
+            </a:r>
+            <a:r>
+              <a:rPr lang="zh-CN" altLang="en-US" sz="1600">
+                <a:solidFill>
+                  <a:schemeClr val="bg1"/>
+                </a:solidFill>
+                <a:cs typeface="+mn-lt"/>
+              </a:rPr>
+              <a:t>, custID, sellerID, time, address, status)</a:t>
+            </a:r>
+            <a:endParaRPr lang="zh-CN" altLang="en-US" sz="1600">
+              <a:solidFill>
+                <a:schemeClr val="bg1"/>
+              </a:solidFill>
+              <a:cs typeface="+mn-lt"/>
+            </a:endParaRPr>
+          </a:p>
+          <a:p>
+            <a:pPr marL="285750" indent="-285750" fontAlgn="auto">
+              <a:lnSpc>
+                <a:spcPct val="150000"/>
+              </a:lnSpc>
+              <a:buFont typeface="Arial" panose="020B0604020202020204" pitchFamily="34" charset="0"/>
+              <a:buChar char="•"/>
+            </a:pPr>
+            <a:r>
+              <a:rPr lang="zh-CN" altLang="en-US" sz="1600">
+                <a:solidFill>
+                  <a:schemeClr val="bg1"/>
+                </a:solidFill>
+                <a:cs typeface="+mn-lt"/>
+              </a:rPr>
+              <a:t>order_item(</a:t>
+            </a:r>
+            <a:r>
+              <a:rPr lang="zh-CN" altLang="en-US" sz="1600" b="1" i="1" u="sng">
+                <a:solidFill>
+                  <a:schemeClr val="bg1"/>
+                </a:solidFill>
+                <a:cs typeface="+mn-lt"/>
+              </a:rPr>
+              <a:t>orderID, itemID</a:t>
+            </a:r>
+            <a:r>
+              <a:rPr lang="zh-CN" altLang="en-US" sz="1600">
+                <a:solidFill>
+                  <a:schemeClr val="bg1"/>
+                </a:solidFill>
+                <a:cs typeface="+mn-lt"/>
+              </a:rPr>
+              <a:t>, quantity, rating)</a:t>
+            </a:r>
+            <a:endParaRPr lang="zh-CN" altLang="en-US" sz="1600">
+              <a:solidFill>
+                <a:schemeClr val="bg1"/>
+              </a:solidFill>
+              <a:cs typeface="+mn-lt"/>
+            </a:endParaRPr>
+          </a:p>
+          <a:p>
+            <a:pPr marL="285750" indent="-285750" fontAlgn="auto">
+              <a:lnSpc>
+                <a:spcPct val="150000"/>
+              </a:lnSpc>
+              <a:buFont typeface="Arial" panose="020B0604020202020204" pitchFamily="34" charset="0"/>
+              <a:buChar char="•"/>
+            </a:pPr>
+            <a:r>
+              <a:rPr lang="zh-CN" altLang="en-US" sz="1600">
+                <a:solidFill>
+                  <a:schemeClr val="bg1"/>
+                </a:solidFill>
+                <a:cs typeface="+mn-lt"/>
+              </a:rPr>
+              <a:t>items(</a:t>
+            </a:r>
+            <a:r>
+              <a:rPr lang="zh-CN" altLang="en-US" sz="1600" b="1" i="1" u="sng">
+                <a:solidFill>
+                  <a:schemeClr val="bg1"/>
+                </a:solidFill>
+                <a:cs typeface="+mn-lt"/>
+              </a:rPr>
+              <a:t>itemID</a:t>
+            </a:r>
+            <a:r>
+              <a:rPr lang="zh-CN" altLang="en-US" sz="1600">
+                <a:solidFill>
+                  <a:schemeClr val="bg1"/>
+                </a:solidFill>
+                <a:cs typeface="+mn-lt"/>
+              </a:rPr>
+              <a:t>, sellerID, type, description, stock)</a:t>
+            </a:r>
+            <a:endParaRPr lang="zh-CN" altLang="en-US" sz="1600">
+              <a:solidFill>
+                <a:schemeClr val="bg1"/>
+              </a:solidFill>
+              <a:cs typeface="+mn-lt"/>
+            </a:endParaRPr>
+          </a:p>
+          <a:p>
+            <a:pPr marL="285750" indent="-285750" fontAlgn="auto">
+              <a:lnSpc>
+                <a:spcPct val="150000"/>
+              </a:lnSpc>
+              <a:buFont typeface="Arial" panose="020B0604020202020204" pitchFamily="34" charset="0"/>
+              <a:buChar char="•"/>
+            </a:pPr>
+            <a:r>
+              <a:rPr lang="zh-CN" altLang="en-US" sz="1600">
+                <a:solidFill>
+                  <a:schemeClr val="bg1"/>
+                </a:solidFill>
+                <a:cs typeface="+mn-lt"/>
+              </a:rPr>
+              <a:t>sellers(</a:t>
+            </a:r>
+            <a:r>
+              <a:rPr lang="zh-CN" altLang="en-US" sz="1600" b="1" i="1" u="sng">
+                <a:solidFill>
+                  <a:schemeClr val="bg1"/>
+                </a:solidFill>
+                <a:cs typeface="+mn-lt"/>
+              </a:rPr>
+              <a:t>sellerID</a:t>
+            </a:r>
+            <a:r>
+              <a:rPr lang="zh-CN" altLang="en-US" sz="1600">
+                <a:solidFill>
+                  <a:schemeClr val="bg1"/>
+                </a:solidFill>
+                <a:cs typeface="+mn-lt"/>
+              </a:rPr>
+              <a:t>, seller_name)</a:t>
+            </a:r>
+            <a:endParaRPr lang="zh-CN" altLang="en-US" sz="1600">
+              <a:solidFill>
+                <a:schemeClr val="bg1"/>
+              </a:solidFill>
+              <a:cs typeface="+mn-lt"/>
+            </a:endParaRPr>
+          </a:p>
+          <a:p>
+            <a:pPr marL="285750" indent="-285750" fontAlgn="auto">
+              <a:lnSpc>
+                <a:spcPct val="150000"/>
+              </a:lnSpc>
+              <a:buFont typeface="Arial" panose="020B0604020202020204" pitchFamily="34" charset="0"/>
+              <a:buChar char="•"/>
+            </a:pPr>
+            <a:r>
+              <a:rPr lang="zh-CN" altLang="en-US" sz="1600">
+                <a:solidFill>
+                  <a:schemeClr val="bg1"/>
+                </a:solidFill>
+                <a:cs typeface="+mn-lt"/>
+              </a:rPr>
+              <a:t>customers(</a:t>
+            </a:r>
+            <a:r>
+              <a:rPr lang="zh-CN" altLang="en-US" sz="1600" b="1" i="1" u="sng">
+                <a:solidFill>
+                  <a:schemeClr val="bg1"/>
+                </a:solidFill>
+                <a:cs typeface="+mn-lt"/>
+              </a:rPr>
+              <a:t>custID</a:t>
+            </a:r>
+            <a:r>
+              <a:rPr lang="zh-CN" altLang="en-US" sz="1600">
+                <a:solidFill>
+                  <a:schemeClr val="bg1"/>
+                </a:solidFill>
+                <a:cs typeface="+mn-lt"/>
+              </a:rPr>
+              <a:t>, cust_name, cust_gender, cust_age)</a:t>
+            </a:r>
+            <a:endParaRPr lang="zh-CN" altLang="en-US" sz="1600">
+              <a:solidFill>
+                <a:schemeClr val="bg1"/>
+              </a:solidFill>
+              <a:cs typeface="+mn-lt"/>
+            </a:endParaRPr>
+          </a:p>
+          <a:p>
+            <a:pPr marL="285750" indent="-285750" fontAlgn="auto">
+              <a:lnSpc>
+                <a:spcPct val="150000"/>
+              </a:lnSpc>
+              <a:buFont typeface="Arial" panose="020B0604020202020204" pitchFamily="34" charset="0"/>
+              <a:buChar char="•"/>
+            </a:pPr>
+            <a:r>
+              <a:rPr lang="zh-CN" altLang="en-US" sz="1600">
+                <a:solidFill>
+                  <a:schemeClr val="bg1"/>
+                </a:solidFill>
+                <a:cs typeface="+mn-lt"/>
+              </a:rPr>
+              <a:t>addresses(</a:t>
+            </a:r>
+            <a:r>
+              <a:rPr lang="zh-CN" altLang="en-US" sz="1600" b="1" i="1" u="sng">
+                <a:solidFill>
+                  <a:schemeClr val="bg1"/>
+                </a:solidFill>
+                <a:cs typeface="+mn-lt"/>
+              </a:rPr>
+              <a:t>custID, address</a:t>
+            </a:r>
+            <a:r>
+              <a:rPr lang="zh-CN" altLang="en-US" sz="1600">
+                <a:solidFill>
+                  <a:schemeClr val="bg1"/>
+                </a:solidFill>
+                <a:cs typeface="+mn-lt"/>
+              </a:rPr>
+              <a:t>)</a:t>
+            </a:r>
+            <a:endParaRPr lang="zh-CN" altLang="en-US" sz="1600">
+              <a:solidFill>
+                <a:schemeClr val="bg1"/>
+              </a:solidFill>
+              <a:cs typeface="+mn-lt"/>
+            </a:endParaRPr>
+          </a:p>
+        </p:txBody>
+      </p:sp>
+    </p:spTree>
+  </p:cSld>
+  <p:clrMapOvr>
+    <a:masterClrMapping/>
+  </p:clrMapOvr>
+</p:sld>
+</file>
+
+<file path=ppt/slides/slide18.xml><?xml version="1.0" encoding="utf-8"?>
+<p:sld xmlns:a="http://schemas.openxmlformats.org/drawingml/2006/main" xmlns:r="http://schemas.openxmlformats.org/officeDocument/2006/relationships" xmlns:p="http://schemas.openxmlformats.org/presentationml/2006/main">
+  <p:cSld>
+    <p:spTree>
+      <p:nvGrpSpPr>
+        <p:cNvPr id="1" name=""/>
+        <p:cNvGrpSpPr/>
+        <p:nvPr/>
+      </p:nvGrpSpPr>
+      <p:grpSpPr/>
+      <p:sp>
+        <p:nvSpPr>
+          <p:cNvPr id="3" name="文本框 2"/>
+          <p:cNvSpPr txBox="1"/>
+          <p:nvPr/>
+        </p:nvSpPr>
+        <p:spPr>
+          <a:xfrm>
+            <a:off x="4702493" y="2782570"/>
+            <a:ext cx="2787015" cy="891540"/>
+          </a:xfrm>
+          <a:prstGeom prst="rect">
+            <a:avLst/>
+          </a:prstGeom>
+          <a:noFill/>
+        </p:spPr>
+        <p:txBody>
+          <a:bodyPr wrap="none" rtlCol="0" anchor="t">
+            <a:spAutoFit/>
+          </a:bodyPr>
+          <a:p>
+            <a:pPr algn="ctr"/>
+            <a:r>
+              <a:rPr lang="en-US" sz="3200" b="1">
+                <a:latin typeface="+mj-lt"/>
+                <a:cs typeface="+mj-lt"/>
+                <a:sym typeface="+mn-ea"/>
+              </a:rPr>
+              <a:t>Zhao Changhao</a:t>
+            </a:r>
+            <a:endParaRPr lang="en-US" sz="3200" b="1">
+              <a:latin typeface="+mj-lt"/>
+              <a:cs typeface="+mj-lt"/>
+              <a:sym typeface="+mn-ea"/>
+            </a:endParaRPr>
+          </a:p>
+          <a:p>
+            <a:pPr algn="ctr"/>
+            <a:r>
+              <a:rPr lang="en-US" altLang="zh-CN" sz="2000" b="1">
+                <a:sym typeface="+mn-ea"/>
+              </a:rPr>
+              <a:t>(Data filling)</a:t>
+            </a:r>
+            <a:endParaRPr lang="en-US" altLang="zh-CN" sz="2000" b="1">
+              <a:latin typeface="+mj-lt"/>
+              <a:cs typeface="+mj-lt"/>
+              <a:sym typeface="+mn-ea"/>
+            </a:endParaRPr>
+          </a:p>
+        </p:txBody>
+      </p:sp>
+    </p:spTree>
+  </p:cSld>
+  <p:clrMapOvr>
+    <a:masterClrMapping/>
+  </p:clrMapOvr>
+</p:sld>
+</file>
+
+<file path=ppt/slides/slide19.xml><?xml version="1.0" encoding="utf-8"?>
+<p:sld xmlns:a="http://schemas.openxmlformats.org/drawingml/2006/main" xmlns:r="http://schemas.openxmlformats.org/officeDocument/2006/relationships" xmlns:p="http://schemas.openxmlformats.org/presentationml/2006/main">
+  <p:cSld>
+    <p:spTree>
+      <p:nvGrpSpPr>
+        <p:cNvPr id="1" name=""/>
+        <p:cNvGrpSpPr/>
+        <p:nvPr/>
+      </p:nvGrpSpPr>
+      <p:grpSpPr/>
       <p:pic>
         <p:nvPicPr>
-          <p:cNvPr id="14" name="图片 13"/>
+          <p:cNvPr id="5" name="图片 4"/>
           <p:cNvPicPr>
             <a:picLocks noChangeAspect="1"/>
           </p:cNvPicPr>
           <p:nvPr/>
         </p:nvPicPr>
         <p:blipFill>
-          <a:blip r:embed="rId2"/>
+          <a:blip r:embed="rId1">
+            <a:extLst>
+              <a:ext uri="{28A0092B-C50C-407E-A947-70E740481C1C}">
+                <a14:useLocalDpi xmlns:a14="http://schemas.microsoft.com/office/drawing/2010/main" val="0"/>
+              </a:ext>
+            </a:extLst>
+          </a:blip>
           <a:stretch>
             <a:fillRect/>
           </a:stretch>
         </p:blipFill>
         <p:spPr>
           <a:xfrm>
-            <a:off x="10135870" y="2894330"/>
-            <a:ext cx="594360" cy="624840"/>
+            <a:off x="4223210" y="80489"/>
+            <a:ext cx="7968790" cy="3744438"/>
           </a:xfrm>
           <a:prstGeom prst="rect">
             <a:avLst/>
@@ -4234,22 +4968,28 @@
       </p:pic>
       <p:pic>
         <p:nvPicPr>
-          <p:cNvPr id="15" name="图片 14"/>
+          <p:cNvPr id="6" name="图片 5"/>
           <p:cNvPicPr>
             <a:picLocks noChangeAspect="1"/>
           </p:cNvPicPr>
           <p:nvPr/>
         </p:nvPicPr>
         <p:blipFill>
-          <a:blip r:embed="rId3"/>
+          <a:blip r:embed="rId2">
+            <a:extLst>
+              <a:ext uri="{28A0092B-C50C-407E-A947-70E740481C1C}">
+                <a14:useLocalDpi xmlns:a14="http://schemas.microsoft.com/office/drawing/2010/main" val="0"/>
+              </a:ext>
+            </a:extLst>
+          </a:blip>
           <a:stretch>
             <a:fillRect/>
           </a:stretch>
         </p:blipFill>
         <p:spPr>
           <a:xfrm>
-            <a:off x="1011555" y="2926080"/>
-            <a:ext cx="586740" cy="640080"/>
+            <a:off x="113122" y="3871207"/>
+            <a:ext cx="9854152" cy="2907894"/>
           </a:xfrm>
           <a:prstGeom prst="rect">
             <a:avLst/>
@@ -4258,82 +4998,67 @@
       </p:pic>
       <p:sp>
         <p:nvSpPr>
-          <p:cNvPr id="17" name="左右箭头 16"/>
-          <p:cNvSpPr/>
+          <p:cNvPr id="7" name="文本框 6"/>
+          <p:cNvSpPr txBox="1"/>
           <p:nvPr/>
         </p:nvSpPr>
         <p:spPr>
           <a:xfrm>
-            <a:off x="2505075" y="3566160"/>
-            <a:ext cx="1750695" cy="615315"/>
-          </a:xfrm>
-          <a:prstGeom prst="leftRightArrow">
-            <a:avLst/>
-          </a:prstGeom>
-        </p:spPr>
-        <p:style>
-          <a:lnRef idx="2">
-            <a:schemeClr val="accent1">
-              <a:shade val="50000"/>
-            </a:schemeClr>
-          </a:lnRef>
-          <a:fillRef idx="1">
-            <a:schemeClr val="accent1"/>
-          </a:fillRef>
-          <a:effectRef idx="0">
-            <a:schemeClr val="accent1"/>
-          </a:effectRef>
-          <a:fontRef idx="minor">
-            <a:schemeClr val="lt1"/>
-          </a:fontRef>
-        </p:style>
-        <p:txBody>
-          <a:bodyPr rtlCol="0" anchor="ctr"/>
-          <a:p>
-            <a:pPr algn="ctr"/>
-            <a:endParaRPr lang="zh-CN" altLang="en-US"/>
-          </a:p>
-        </p:txBody>
-      </p:sp>
-      <p:sp>
-        <p:nvSpPr>
-          <p:cNvPr id="20" name="左右箭头 19"/>
-          <p:cNvSpPr/>
-          <p:nvPr/>
-        </p:nvSpPr>
-        <p:spPr>
-          <a:xfrm>
-            <a:off x="7364730" y="3565525"/>
-            <a:ext cx="1750695" cy="615315"/>
-          </a:xfrm>
-          <a:prstGeom prst="leftRightArrow">
-            <a:avLst/>
-          </a:prstGeom>
-        </p:spPr>
-        <p:style>
-          <a:lnRef idx="2">
-            <a:schemeClr val="accent1">
-              <a:shade val="50000"/>
-            </a:schemeClr>
-          </a:lnRef>
-          <a:fillRef idx="1">
-            <a:schemeClr val="accent1"/>
-          </a:fillRef>
-          <a:effectRef idx="0">
-            <a:schemeClr val="accent1"/>
-          </a:effectRef>
-          <a:fontRef idx="minor">
-            <a:schemeClr val="lt1"/>
-          </a:fontRef>
-        </p:style>
-        <p:txBody>
-          <a:bodyPr rtlCol="0" anchor="ctr"/>
-          <a:p>
-            <a:pPr algn="ctr"/>
-            <a:endParaRPr lang="zh-CN" altLang="en-US"/>
-          </a:p>
-        </p:txBody>
-      </p:sp>
+            <a:off x="113030" y="763270"/>
+            <a:ext cx="3956685" cy="829945"/>
+          </a:xfrm>
+          <a:prstGeom prst="rect">
+            <a:avLst/>
+          </a:prstGeom>
+          <a:noFill/>
+        </p:spPr>
+        <p:txBody>
+          <a:bodyPr wrap="square" rtlCol="0">
+            <a:spAutoFit/>
+          </a:bodyPr>
+          <a:lstStyle/>
+          <a:p>
+            <a:pPr marL="342900" indent="-342900">
+              <a:buFont typeface="Arial" panose="020B0604020202020204" pitchFamily="34" charset="0"/>
+              <a:buChar char="•"/>
+            </a:pPr>
+            <a:r>
+              <a:rPr lang="en-US" altLang="zh-CN" sz="2400" b="1" dirty="0">
+                <a:cs typeface="+mn-lt"/>
+              </a:rPr>
+              <a:t>Used C to </a:t>
+            </a:r>
+            <a:r>
+              <a:rPr lang="en-US" altLang="zh-CN" sz="2400" b="1" dirty="0">
+                <a:effectLst/>
+                <a:cs typeface="+mn-lt"/>
+              </a:rPr>
+              <a:t>avoid data inconsistencies in the table</a:t>
+            </a:r>
+            <a:endParaRPr lang="zh-CN" altLang="en-US" sz="2400" b="1" dirty="0">
+              <a:cs typeface="+mn-lt"/>
+            </a:endParaRPr>
+          </a:p>
+        </p:txBody>
+      </p:sp>
+    </p:spTree>
+  </p:cSld>
+  <p:clrMapOvr>
+    <a:masterClrMapping/>
+  </p:clrMapOvr>
+</p:sld>
+</file>
+
+<file path=ppt/slides/slide2.xml><?xml version="1.0" encoding="utf-8"?>
+<p:sld xmlns:a="http://schemas.openxmlformats.org/drawingml/2006/main" xmlns:r="http://schemas.openxmlformats.org/officeDocument/2006/relationships" xmlns:p="http://schemas.openxmlformats.org/presentationml/2006/main">
+  <p:cSld>
+    <p:spTree>
+      <p:nvGrpSpPr>
+        <p:cNvPr id="1" name=""/>
+        <p:cNvGrpSpPr/>
+        <p:nvPr/>
+      </p:nvGrpSpPr>
+      <p:grpSpPr/>
       <p:sp>
         <p:nvSpPr>
           <p:cNvPr id="22" name="文本框 21"/>
@@ -4343,7 +5068,7 @@
         <p:spPr>
           <a:xfrm>
             <a:off x="223520" y="399415"/>
-            <a:ext cx="3503295" cy="706755"/>
+            <a:ext cx="8846185" cy="706755"/>
           </a:xfrm>
           <a:prstGeom prst="rect">
             <a:avLst/>
@@ -4361,12 +5086,371 @@
                 <a:latin typeface="+mj-lt"/>
                 <a:cs typeface="+mj-lt"/>
               </a:rPr>
-              <a:t>System Pipeline</a:t>
+              <a:t>Imgine you are a seller on Taobao/Ebay...</a:t>
             </a:r>
             <a:endParaRPr lang="en-US" altLang="zh-CN" sz="4000" b="1">
               <a:latin typeface="+mj-lt"/>
               <a:cs typeface="+mj-lt"/>
             </a:endParaRPr>
+          </a:p>
+        </p:txBody>
+      </p:sp>
+      <p:sp>
+        <p:nvSpPr>
+          <p:cNvPr id="6" name="文本框 5"/>
+          <p:cNvSpPr txBox="1"/>
+          <p:nvPr/>
+        </p:nvSpPr>
+        <p:spPr>
+          <a:xfrm>
+            <a:off x="427355" y="1535430"/>
+            <a:ext cx="8107045" cy="4061460"/>
+          </a:xfrm>
+          <a:prstGeom prst="rect">
+            <a:avLst/>
+          </a:prstGeom>
+          <a:noFill/>
+        </p:spPr>
+        <p:txBody>
+          <a:bodyPr wrap="square" rtlCol="0" anchor="t">
+            <a:spAutoFit/>
+          </a:bodyPr>
+          <a:p>
+            <a:pPr marL="285750" indent="-285750" fontAlgn="auto">
+              <a:lnSpc>
+                <a:spcPct val="150000"/>
+              </a:lnSpc>
+              <a:buFont typeface="Arial" panose="020B0604020202020204" pitchFamily="34" charset="0"/>
+              <a:buChar char="•"/>
+            </a:pPr>
+            <a:r>
+              <a:rPr lang="en-US" altLang="zh-CN" sz="2400">
+                <a:cs typeface="+mn-lt"/>
+              </a:rPr>
+              <a:t>How well are particular items selling?</a:t>
+            </a:r>
+            <a:endParaRPr lang="zh-CN" altLang="en-US" sz="2400">
+              <a:cs typeface="+mn-lt"/>
+            </a:endParaRPr>
+          </a:p>
+          <a:p>
+            <a:pPr marL="285750" indent="-285750" fontAlgn="auto">
+              <a:lnSpc>
+                <a:spcPct val="150000"/>
+              </a:lnSpc>
+              <a:buFont typeface="Arial" panose="020B0604020202020204" pitchFamily="34" charset="0"/>
+              <a:buChar char="•"/>
+            </a:pPr>
+            <a:r>
+              <a:rPr lang="en-US" altLang="zh-CN" sz="2400">
+                <a:cs typeface="+mn-lt"/>
+              </a:rPr>
+              <a:t>When should I resupply my stock?</a:t>
+            </a:r>
+            <a:endParaRPr lang="en-US" altLang="zh-CN" sz="2400">
+              <a:cs typeface="+mn-lt"/>
+            </a:endParaRPr>
+          </a:p>
+          <a:p>
+            <a:pPr marL="285750" indent="-285750" fontAlgn="auto">
+              <a:lnSpc>
+                <a:spcPct val="150000"/>
+              </a:lnSpc>
+              <a:buFont typeface="Arial" panose="020B0604020202020204" pitchFamily="34" charset="0"/>
+              <a:buChar char="•"/>
+            </a:pPr>
+            <a:r>
+              <a:rPr lang="en-US" altLang="zh-CN" sz="2400">
+                <a:cs typeface="+mn-lt"/>
+              </a:rPr>
+              <a:t>What's the overall sales trend?</a:t>
+            </a:r>
+            <a:endParaRPr lang="zh-CN" altLang="en-US" sz="2400">
+              <a:cs typeface="+mn-lt"/>
+            </a:endParaRPr>
+          </a:p>
+          <a:p>
+            <a:pPr marL="285750" indent="-285750" fontAlgn="auto">
+              <a:lnSpc>
+                <a:spcPct val="150000"/>
+              </a:lnSpc>
+              <a:buFont typeface="Arial" panose="020B0604020202020204" pitchFamily="34" charset="0"/>
+              <a:buChar char="•"/>
+            </a:pPr>
+            <a:r>
+              <a:rPr lang="en-US" altLang="zh-CN" sz="2400">
+                <a:cs typeface="+mn-lt"/>
+              </a:rPr>
+              <a:t>Who are my buyers? </a:t>
+            </a:r>
+            <a:endParaRPr lang="en-US" altLang="zh-CN" sz="2400">
+              <a:cs typeface="+mn-lt"/>
+            </a:endParaRPr>
+          </a:p>
+          <a:p>
+            <a:pPr marL="742950" lvl="1" indent="-285750" fontAlgn="auto">
+              <a:lnSpc>
+                <a:spcPct val="150000"/>
+              </a:lnSpc>
+              <a:buFont typeface="Arial" panose="020B0604020202020204" pitchFamily="34" charset="0"/>
+              <a:buChar char="•"/>
+            </a:pPr>
+            <a:r>
+              <a:rPr lang="en-US" altLang="zh-CN" sz="2400">
+                <a:cs typeface="+mn-lt"/>
+              </a:rPr>
+              <a:t>What's the gender distribution?</a:t>
+            </a:r>
+            <a:endParaRPr lang="en-US" altLang="zh-CN" sz="2400">
+              <a:cs typeface="+mn-lt"/>
+            </a:endParaRPr>
+          </a:p>
+          <a:p>
+            <a:pPr marL="742950" lvl="1" indent="-285750" fontAlgn="auto">
+              <a:lnSpc>
+                <a:spcPct val="150000"/>
+              </a:lnSpc>
+              <a:buFont typeface="Arial" panose="020B0604020202020204" pitchFamily="34" charset="0"/>
+              <a:buChar char="•"/>
+            </a:pPr>
+            <a:r>
+              <a:rPr lang="en-US" altLang="zh-CN" sz="2400">
+                <a:cs typeface="+mn-lt"/>
+              </a:rPr>
+              <a:t>Where are they from?</a:t>
+            </a:r>
+            <a:endParaRPr lang="en-US" altLang="zh-CN" sz="2400">
+              <a:cs typeface="+mn-lt"/>
+            </a:endParaRPr>
+          </a:p>
+          <a:p>
+            <a:pPr marL="285750" indent="-285750" fontAlgn="auto">
+              <a:lnSpc>
+                <a:spcPct val="150000"/>
+              </a:lnSpc>
+              <a:buFont typeface="Arial" panose="020B0604020202020204" pitchFamily="34" charset="0"/>
+              <a:buChar char="•"/>
+            </a:pPr>
+            <a:r>
+              <a:rPr lang="en-US" altLang="zh-CN" sz="2800" b="1" i="1" u="sng">
+                <a:cs typeface="+mn-lt"/>
+              </a:rPr>
+              <a:t>God I don't want to learn SQL...</a:t>
+            </a:r>
+            <a:endParaRPr lang="en-US" altLang="zh-CN" sz="2800" b="1" i="1" u="sng">
+              <a:cs typeface="+mn-lt"/>
+            </a:endParaRPr>
+          </a:p>
+        </p:txBody>
+      </p:sp>
+      <p:pic>
+        <p:nvPicPr>
+          <p:cNvPr id="7" name="图片 6"/>
+          <p:cNvPicPr>
+            <a:picLocks noChangeAspect="1"/>
+          </p:cNvPicPr>
+          <p:nvPr/>
+        </p:nvPicPr>
+        <p:blipFill>
+          <a:blip r:embed="rId1"/>
+          <a:stretch>
+            <a:fillRect/>
+          </a:stretch>
+        </p:blipFill>
+        <p:spPr>
+          <a:xfrm>
+            <a:off x="6370320" y="2750820"/>
+            <a:ext cx="3810000" cy="2667000"/>
+          </a:xfrm>
+          <a:prstGeom prst="rect">
+            <a:avLst/>
+          </a:prstGeom>
+        </p:spPr>
+      </p:pic>
+    </p:spTree>
+  </p:cSld>
+  <p:clrMapOvr>
+    <a:masterClrMapping/>
+  </p:clrMapOvr>
+  <p:timing>
+    <p:tnLst>
+      <p:par>
+        <p:cTn id="1" dur="indefinite" restart="never" nodeType="tmRoot">
+          <p:childTnLst>
+            <p:seq concurrent="1" nextAc="seek">
+              <p:cTn id="2" dur="indefinite" nodeType="mainSeq">
+                <p:childTnLst>
+                  <p:par>
+                    <p:cTn id="3" fill="hold">
+                      <p:stCondLst>
+                        <p:cond delay="indefinite"/>
+                      </p:stCondLst>
+                      <p:childTnLst>
+                        <p:par>
+                          <p:cTn id="4" fill="hold">
+                            <p:stCondLst>
+                              <p:cond delay="0"/>
+                            </p:stCondLst>
+                            <p:childTnLst>
+                              <p:par>
+                                <p:cTn id="5" presetID="1" presetClass="entr" presetSubtype="0" fill="hold" nodeType="clickEffect">
+                                  <p:stCondLst>
+                                    <p:cond delay="0"/>
+                                  </p:stCondLst>
+                                  <p:childTnLst>
+                                    <p:set>
+                                      <p:cBhvr>
+                                        <p:cTn id="6" dur="1" fill="hold">
+                                          <p:stCondLst>
+                                            <p:cond delay="0"/>
+                                          </p:stCondLst>
+                                        </p:cTn>
+                                        <p:tgtEl>
+                                          <p:spTgt spid="6">
+                                            <p:txEl>
+                                              <p:pRg st="6" end="6"/>
+                                            </p:txEl>
+                                          </p:spTgt>
+                                        </p:tgtEl>
+                                        <p:attrNameLst>
+                                          <p:attrName>style.visibility</p:attrName>
+                                        </p:attrNameLst>
+                                      </p:cBhvr>
+                                      <p:to>
+                                        <p:strVal val="visible"/>
+                                      </p:to>
+                                    </p:set>
+                                  </p:childTnLst>
+                                </p:cTn>
+                              </p:par>
+                              <p:par>
+                                <p:cTn id="7" presetID="1" presetClass="entr" presetSubtype="0" fill="hold" nodeType="withEffect">
+                                  <p:stCondLst>
+                                    <p:cond delay="0"/>
+                                  </p:stCondLst>
+                                  <p:childTnLst>
+                                    <p:set>
+                                      <p:cBhvr>
+                                        <p:cTn id="8" dur="1" fill="hold">
+                                          <p:stCondLst>
+                                            <p:cond delay="0"/>
+                                          </p:stCondLst>
+                                        </p:cTn>
+                                        <p:tgtEl>
+                                          <p:spTgt spid="7"/>
+                                        </p:tgtEl>
+                                        <p:attrNameLst>
+                                          <p:attrName>style.visibility</p:attrName>
+                                        </p:attrNameLst>
+                                      </p:cBhvr>
+                                      <p:to>
+                                        <p:strVal val="visible"/>
+                                      </p:to>
+                                    </p:set>
+                                  </p:childTnLst>
+                                </p:cTn>
+                              </p:par>
+                            </p:childTnLst>
+                          </p:cTn>
+                        </p:par>
+                      </p:childTnLst>
+                    </p:cTn>
+                  </p:par>
+                </p:childTnLst>
+              </p:cTn>
+              <p:prevCondLst>
+                <p:cond evt="onPrev" delay="0">
+                  <p:tgtEl>
+                    <p:sldTgt/>
+                  </p:tgtEl>
+                </p:cond>
+              </p:prevCondLst>
+              <p:nextCondLst>
+                <p:cond evt="onNext" delay="0">
+                  <p:tgtEl>
+                    <p:sldTgt/>
+                  </p:tgtEl>
+                </p:cond>
+              </p:nextCondLst>
+            </p:seq>
+          </p:childTnLst>
+        </p:cTn>
+      </p:par>
+    </p:tnLst>
+  </p:timing>
+</p:sld>
+</file>
+
+<file path=ppt/slides/slide20.xml><?xml version="1.0" encoding="utf-8"?>
+<p:sld xmlns:a="http://schemas.openxmlformats.org/drawingml/2006/main" xmlns:r="http://schemas.openxmlformats.org/officeDocument/2006/relationships" xmlns:p="http://schemas.openxmlformats.org/presentationml/2006/main">
+  <p:cSld>
+    <p:spTree>
+      <p:nvGrpSpPr>
+        <p:cNvPr id="1" name=""/>
+        <p:cNvGrpSpPr/>
+        <p:nvPr/>
+      </p:nvGrpSpPr>
+      <p:grpSpPr/>
+      <p:pic>
+        <p:nvPicPr>
+          <p:cNvPr id="2" name="图片 1"/>
+          <p:cNvPicPr>
+            <a:picLocks noChangeAspect="1"/>
+          </p:cNvPicPr>
+          <p:nvPr/>
+        </p:nvPicPr>
+        <p:blipFill>
+          <a:blip r:embed="rId1">
+            <a:extLst>
+              <a:ext uri="{28A0092B-C50C-407E-A947-70E740481C1C}">
+                <a14:useLocalDpi xmlns:a14="http://schemas.microsoft.com/office/drawing/2010/main" val="0"/>
+              </a:ext>
+            </a:extLst>
+          </a:blip>
+          <a:stretch>
+            <a:fillRect/>
+          </a:stretch>
+        </p:blipFill>
+        <p:spPr>
+          <a:xfrm>
+            <a:off x="1168930" y="2851923"/>
+            <a:ext cx="9854152" cy="2907894"/>
+          </a:xfrm>
+          <a:prstGeom prst="rect">
+            <a:avLst/>
+          </a:prstGeom>
+        </p:spPr>
+      </p:pic>
+      <p:sp>
+        <p:nvSpPr>
+          <p:cNvPr id="4" name="文本框 3"/>
+          <p:cNvSpPr txBox="1"/>
+          <p:nvPr/>
+        </p:nvSpPr>
+        <p:spPr>
+          <a:xfrm>
+            <a:off x="631596" y="433633"/>
+            <a:ext cx="5090474" cy="1568450"/>
+          </a:xfrm>
+          <a:prstGeom prst="rect">
+            <a:avLst/>
+          </a:prstGeom>
+          <a:noFill/>
+        </p:spPr>
+        <p:txBody>
+          <a:bodyPr wrap="square" rtlCol="0">
+            <a:spAutoFit/>
+          </a:bodyPr>
+          <a:p>
+            <a:pPr marL="342900" indent="-342900">
+              <a:buFont typeface="Arial" panose="020B0604020202020204" pitchFamily="34" charset="0"/>
+              <a:buChar char="•"/>
+            </a:pPr>
+            <a:r>
+              <a:rPr lang="en-US" altLang="zh-CN" sz="2400" b="1" dirty="0"/>
+              <a:t>Used excel function to let me change and debug more easily, after changing data I only need to insert all function into the database</a:t>
+            </a:r>
+            <a:endParaRPr lang="zh-CN" altLang="en-US" sz="2400" b="1" dirty="0"/>
           </a:p>
         </p:txBody>
       </p:sp>
@@ -4390,14 +5474,14 @@
       <p:grpSpPr/>
       <p:sp>
         <p:nvSpPr>
-          <p:cNvPr id="22" name="文本框 21"/>
+          <p:cNvPr id="7" name="文本框 6"/>
           <p:cNvSpPr txBox="1"/>
           <p:nvPr/>
         </p:nvSpPr>
         <p:spPr>
           <a:xfrm>
-            <a:off x="223520" y="399415"/>
-            <a:ext cx="2600325" cy="706755"/>
+            <a:off x="259398" y="3566160"/>
+            <a:ext cx="2090420" cy="953135"/>
           </a:xfrm>
           <a:prstGeom prst="rect">
             <a:avLst/>
@@ -4409,24 +5493,93 @@
             <a:spAutoFit/>
           </a:bodyPr>
           <a:p>
-            <a:pPr algn="l"/>
-            <a:r>
-              <a:rPr lang="en-US" altLang="zh-CN" sz="4000" b="1">
-                <a:latin typeface="+mj-lt"/>
-                <a:cs typeface="+mj-lt"/>
-              </a:rPr>
-              <a:t>ER Diagram</a:t>
-            </a:r>
-            <a:endParaRPr lang="en-US" altLang="zh-CN" sz="4000" b="1">
-              <a:latin typeface="+mj-lt"/>
-              <a:cs typeface="+mj-lt"/>
-            </a:endParaRPr>
+            <a:pPr algn="ctr"/>
+            <a:r>
+              <a:rPr lang="en-US" altLang="zh-CN" sz="2800" b="1"/>
+              <a:t>E-commerce </a:t>
+            </a:r>
+            <a:endParaRPr lang="en-US" altLang="zh-CN" sz="2800" b="1"/>
+          </a:p>
+          <a:p>
+            <a:pPr algn="ctr"/>
+            <a:r>
+              <a:rPr lang="en-US" altLang="zh-CN" sz="2800" b="1"/>
+              <a:t>Database</a:t>
+            </a:r>
+            <a:endParaRPr lang="en-US" altLang="zh-CN" sz="2800" b="1"/>
+          </a:p>
+        </p:txBody>
+      </p:sp>
+      <p:sp>
+        <p:nvSpPr>
+          <p:cNvPr id="10" name="文本框 9"/>
+          <p:cNvSpPr txBox="1"/>
+          <p:nvPr/>
+        </p:nvSpPr>
+        <p:spPr>
+          <a:xfrm>
+            <a:off x="9284970" y="3434715"/>
+            <a:ext cx="2422525" cy="953135"/>
+          </a:xfrm>
+          <a:prstGeom prst="rect">
+            <a:avLst/>
+          </a:prstGeom>
+          <a:noFill/>
+        </p:spPr>
+        <p:txBody>
+          <a:bodyPr wrap="none" rtlCol="0">
+            <a:spAutoFit/>
+          </a:bodyPr>
+          <a:p>
+            <a:pPr algn="ctr"/>
+            <a:r>
+              <a:rPr lang="en-US" altLang="zh-CN" sz="2800" b="1"/>
+              <a:t>Graphical User </a:t>
+            </a:r>
+            <a:endParaRPr lang="en-US" altLang="zh-CN" sz="2800" b="1"/>
+          </a:p>
+          <a:p>
+            <a:pPr algn="ctr"/>
+            <a:r>
+              <a:rPr lang="en-US" altLang="zh-CN" sz="2800" b="1"/>
+              <a:t>Interface</a:t>
+            </a:r>
+            <a:endParaRPr lang="en-US" altLang="zh-CN" sz="2800" b="1"/>
+          </a:p>
+        </p:txBody>
+      </p:sp>
+      <p:sp>
+        <p:nvSpPr>
+          <p:cNvPr id="11" name="文本框 10"/>
+          <p:cNvSpPr txBox="1"/>
+          <p:nvPr/>
+        </p:nvSpPr>
+        <p:spPr>
+          <a:xfrm>
+            <a:off x="4605020" y="3612515"/>
+            <a:ext cx="2490470" cy="521970"/>
+          </a:xfrm>
+          <a:prstGeom prst="rect">
+            <a:avLst/>
+          </a:prstGeom>
+          <a:noFill/>
+        </p:spPr>
+        <p:txBody>
+          <a:bodyPr wrap="none" rtlCol="0">
+            <a:spAutoFit/>
+          </a:bodyPr>
+          <a:p>
+            <a:r>
+              <a:rPr lang="en-US" altLang="zh-CN" sz="2800" b="1"/>
+              <a:t>Querying Agent</a:t>
+            </a:r>
+            <a:endParaRPr lang="en-US" altLang="zh-CN" sz="2800" b="1"/>
           </a:p>
         </p:txBody>
       </p:sp>
       <p:pic>
         <p:nvPicPr>
-          <p:cNvPr id="2" name="图片 1"/>
+          <p:cNvPr id="13" name="图片 12"/>
           <p:cNvPicPr>
             <a:picLocks noChangeAspect="1"/>
           </p:cNvPicPr>
@@ -4440,14 +5593,176 @@
         </p:blipFill>
         <p:spPr>
           <a:xfrm>
-            <a:off x="3464560" y="399415"/>
-            <a:ext cx="5793740" cy="6094095"/>
+            <a:off x="5572125" y="2995295"/>
+            <a:ext cx="556260" cy="617220"/>
           </a:xfrm>
           <a:prstGeom prst="rect">
             <a:avLst/>
           </a:prstGeom>
         </p:spPr>
       </p:pic>
+      <p:pic>
+        <p:nvPicPr>
+          <p:cNvPr id="14" name="图片 13"/>
+          <p:cNvPicPr>
+            <a:picLocks noChangeAspect="1"/>
+          </p:cNvPicPr>
+          <p:nvPr/>
+        </p:nvPicPr>
+        <p:blipFill>
+          <a:blip r:embed="rId2"/>
+          <a:stretch>
+            <a:fillRect/>
+          </a:stretch>
+        </p:blipFill>
+        <p:spPr>
+          <a:xfrm>
+            <a:off x="10135870" y="2894330"/>
+            <a:ext cx="594360" cy="624840"/>
+          </a:xfrm>
+          <a:prstGeom prst="rect">
+            <a:avLst/>
+          </a:prstGeom>
+        </p:spPr>
+      </p:pic>
+      <p:pic>
+        <p:nvPicPr>
+          <p:cNvPr id="15" name="图片 14"/>
+          <p:cNvPicPr>
+            <a:picLocks noChangeAspect="1"/>
+          </p:cNvPicPr>
+          <p:nvPr/>
+        </p:nvPicPr>
+        <p:blipFill>
+          <a:blip r:embed="rId3"/>
+          <a:stretch>
+            <a:fillRect/>
+          </a:stretch>
+        </p:blipFill>
+        <p:spPr>
+          <a:xfrm>
+            <a:off x="1011555" y="2926080"/>
+            <a:ext cx="586740" cy="640080"/>
+          </a:xfrm>
+          <a:prstGeom prst="rect">
+            <a:avLst/>
+          </a:prstGeom>
+        </p:spPr>
+      </p:pic>
+      <p:sp>
+        <p:nvSpPr>
+          <p:cNvPr id="17" name="左右箭头 16"/>
+          <p:cNvSpPr/>
+          <p:nvPr/>
+        </p:nvSpPr>
+        <p:spPr>
+          <a:xfrm>
+            <a:off x="2505075" y="3566160"/>
+            <a:ext cx="1750695" cy="615315"/>
+          </a:xfrm>
+          <a:prstGeom prst="leftRightArrow">
+            <a:avLst/>
+          </a:prstGeom>
+        </p:spPr>
+        <p:style>
+          <a:lnRef idx="2">
+            <a:schemeClr val="accent1">
+              <a:shade val="50000"/>
+            </a:schemeClr>
+          </a:lnRef>
+          <a:fillRef idx="1">
+            <a:schemeClr val="accent1"/>
+          </a:fillRef>
+          <a:effectRef idx="0">
+            <a:schemeClr val="accent1"/>
+          </a:effectRef>
+          <a:fontRef idx="minor">
+            <a:schemeClr val="lt1"/>
+          </a:fontRef>
+        </p:style>
+        <p:txBody>
+          <a:bodyPr rtlCol="0" anchor="ctr"/>
+          <a:p>
+            <a:pPr algn="ctr"/>
+            <a:endParaRPr lang="zh-CN" altLang="en-US"/>
+          </a:p>
+        </p:txBody>
+      </p:sp>
+      <p:sp>
+        <p:nvSpPr>
+          <p:cNvPr id="20" name="左右箭头 19"/>
+          <p:cNvSpPr/>
+          <p:nvPr/>
+        </p:nvSpPr>
+        <p:spPr>
+          <a:xfrm>
+            <a:off x="7364730" y="3565525"/>
+            <a:ext cx="1750695" cy="615315"/>
+          </a:xfrm>
+          <a:prstGeom prst="leftRightArrow">
+            <a:avLst/>
+          </a:prstGeom>
+        </p:spPr>
+        <p:style>
+          <a:lnRef idx="2">
+            <a:schemeClr val="accent1">
+              <a:shade val="50000"/>
+            </a:schemeClr>
+          </a:lnRef>
+          <a:fillRef idx="1">
+            <a:schemeClr val="accent1"/>
+          </a:fillRef>
+          <a:effectRef idx="0">
+            <a:schemeClr val="accent1"/>
+          </a:effectRef>
+          <a:fontRef idx="minor">
+            <a:schemeClr val="lt1"/>
+          </a:fontRef>
+        </p:style>
+        <p:txBody>
+          <a:bodyPr rtlCol="0" anchor="ctr"/>
+          <a:p>
+            <a:pPr algn="ctr"/>
+            <a:endParaRPr lang="zh-CN" altLang="en-US"/>
+          </a:p>
+        </p:txBody>
+      </p:sp>
+      <p:sp>
+        <p:nvSpPr>
+          <p:cNvPr id="22" name="文本框 21"/>
+          <p:cNvSpPr txBox="1"/>
+          <p:nvPr/>
+        </p:nvSpPr>
+        <p:spPr>
+          <a:xfrm>
+            <a:off x="223520" y="399415"/>
+            <a:ext cx="3503295" cy="706755"/>
+          </a:xfrm>
+          <a:prstGeom prst="rect">
+            <a:avLst/>
+          </a:prstGeom>
+          <a:noFill/>
+        </p:spPr>
+        <p:txBody>
+          <a:bodyPr wrap="none" rtlCol="0">
+            <a:spAutoFit/>
+          </a:bodyPr>
+          <a:p>
+            <a:pPr algn="l"/>
+            <a:r>
+              <a:rPr lang="en-US" altLang="zh-CN" sz="4000" b="1">
+                <a:latin typeface="+mj-lt"/>
+                <a:cs typeface="+mj-lt"/>
+              </a:rPr>
+              <a:t>System Pipeline</a:t>
+            </a:r>
+            <a:endParaRPr lang="en-US" altLang="zh-CN" sz="4000" b="1">
+              <a:latin typeface="+mj-lt"/>
+              <a:cs typeface="+mj-lt"/>
+            </a:endParaRPr>
+          </a:p>
+        </p:txBody>
+      </p:sp>
     </p:spTree>
   </p:cSld>
   <p:clrMapOvr>
@@ -4468,6 +5783,261 @@
       <p:grpSpPr/>
       <p:sp>
         <p:nvSpPr>
+          <p:cNvPr id="7" name="文本框 6"/>
+          <p:cNvSpPr txBox="1"/>
+          <p:nvPr/>
+        </p:nvSpPr>
+        <p:spPr>
+          <a:xfrm>
+            <a:off x="259398" y="3566160"/>
+            <a:ext cx="2090420" cy="953135"/>
+          </a:xfrm>
+          <a:prstGeom prst="rect">
+            <a:avLst/>
+          </a:prstGeom>
+          <a:noFill/>
+        </p:spPr>
+        <p:txBody>
+          <a:bodyPr wrap="none" rtlCol="0">
+            <a:spAutoFit/>
+          </a:bodyPr>
+          <a:p>
+            <a:pPr algn="ctr"/>
+            <a:r>
+              <a:rPr lang="en-US" altLang="zh-CN" sz="2800" b="1"/>
+              <a:t>E-commerce </a:t>
+            </a:r>
+            <a:endParaRPr lang="en-US" altLang="zh-CN" sz="2800" b="1"/>
+          </a:p>
+          <a:p>
+            <a:pPr algn="ctr"/>
+            <a:r>
+              <a:rPr lang="en-US" altLang="zh-CN" sz="2800" b="1"/>
+              <a:t>Database</a:t>
+            </a:r>
+            <a:endParaRPr lang="en-US" altLang="zh-CN" sz="2800" b="1"/>
+          </a:p>
+        </p:txBody>
+      </p:sp>
+      <p:sp>
+        <p:nvSpPr>
+          <p:cNvPr id="10" name="文本框 9"/>
+          <p:cNvSpPr txBox="1"/>
+          <p:nvPr/>
+        </p:nvSpPr>
+        <p:spPr>
+          <a:xfrm>
+            <a:off x="9284970" y="3434715"/>
+            <a:ext cx="2422525" cy="953135"/>
+          </a:xfrm>
+          <a:prstGeom prst="rect">
+            <a:avLst/>
+          </a:prstGeom>
+          <a:noFill/>
+        </p:spPr>
+        <p:txBody>
+          <a:bodyPr wrap="none" rtlCol="0">
+            <a:spAutoFit/>
+          </a:bodyPr>
+          <a:p>
+            <a:pPr algn="ctr"/>
+            <a:r>
+              <a:rPr lang="en-US" altLang="zh-CN" sz="2800" b="1"/>
+              <a:t>Graphical User </a:t>
+            </a:r>
+            <a:endParaRPr lang="en-US" altLang="zh-CN" sz="2800" b="1"/>
+          </a:p>
+          <a:p>
+            <a:pPr algn="ctr"/>
+            <a:r>
+              <a:rPr lang="en-US" altLang="zh-CN" sz="2800" b="1"/>
+              <a:t>Interface</a:t>
+            </a:r>
+            <a:endParaRPr lang="en-US" altLang="zh-CN" sz="2800" b="1"/>
+          </a:p>
+        </p:txBody>
+      </p:sp>
+      <p:sp>
+        <p:nvSpPr>
+          <p:cNvPr id="11" name="文本框 10"/>
+          <p:cNvSpPr txBox="1"/>
+          <p:nvPr/>
+        </p:nvSpPr>
+        <p:spPr>
+          <a:xfrm>
+            <a:off x="4605020" y="3612515"/>
+            <a:ext cx="2490470" cy="521970"/>
+          </a:xfrm>
+          <a:prstGeom prst="rect">
+            <a:avLst/>
+          </a:prstGeom>
+          <a:noFill/>
+        </p:spPr>
+        <p:txBody>
+          <a:bodyPr wrap="none" rtlCol="0">
+            <a:spAutoFit/>
+          </a:bodyPr>
+          <a:p>
+            <a:r>
+              <a:rPr lang="en-US" altLang="zh-CN" sz="2800" b="1"/>
+              <a:t>Querying Agent</a:t>
+            </a:r>
+            <a:endParaRPr lang="en-US" altLang="zh-CN" sz="2800" b="1"/>
+          </a:p>
+        </p:txBody>
+      </p:sp>
+      <p:pic>
+        <p:nvPicPr>
+          <p:cNvPr id="13" name="图片 12"/>
+          <p:cNvPicPr>
+            <a:picLocks noChangeAspect="1"/>
+          </p:cNvPicPr>
+          <p:nvPr/>
+        </p:nvPicPr>
+        <p:blipFill>
+          <a:blip r:embed="rId1"/>
+          <a:stretch>
+            <a:fillRect/>
+          </a:stretch>
+        </p:blipFill>
+        <p:spPr>
+          <a:xfrm>
+            <a:off x="5572125" y="2995295"/>
+            <a:ext cx="556260" cy="617220"/>
+          </a:xfrm>
+          <a:prstGeom prst="rect">
+            <a:avLst/>
+          </a:prstGeom>
+        </p:spPr>
+      </p:pic>
+      <p:pic>
+        <p:nvPicPr>
+          <p:cNvPr id="14" name="图片 13"/>
+          <p:cNvPicPr>
+            <a:picLocks noChangeAspect="1"/>
+          </p:cNvPicPr>
+          <p:nvPr/>
+        </p:nvPicPr>
+        <p:blipFill>
+          <a:blip r:embed="rId2"/>
+          <a:stretch>
+            <a:fillRect/>
+          </a:stretch>
+        </p:blipFill>
+        <p:spPr>
+          <a:xfrm>
+            <a:off x="10135870" y="2894330"/>
+            <a:ext cx="594360" cy="624840"/>
+          </a:xfrm>
+          <a:prstGeom prst="rect">
+            <a:avLst/>
+          </a:prstGeom>
+        </p:spPr>
+      </p:pic>
+      <p:pic>
+        <p:nvPicPr>
+          <p:cNvPr id="15" name="图片 14"/>
+          <p:cNvPicPr>
+            <a:picLocks noChangeAspect="1"/>
+          </p:cNvPicPr>
+          <p:nvPr/>
+        </p:nvPicPr>
+        <p:blipFill>
+          <a:blip r:embed="rId3"/>
+          <a:stretch>
+            <a:fillRect/>
+          </a:stretch>
+        </p:blipFill>
+        <p:spPr>
+          <a:xfrm>
+            <a:off x="1011555" y="2926080"/>
+            <a:ext cx="586740" cy="640080"/>
+          </a:xfrm>
+          <a:prstGeom prst="rect">
+            <a:avLst/>
+          </a:prstGeom>
+        </p:spPr>
+      </p:pic>
+      <p:sp>
+        <p:nvSpPr>
+          <p:cNvPr id="17" name="左右箭头 16"/>
+          <p:cNvSpPr/>
+          <p:nvPr/>
+        </p:nvSpPr>
+        <p:spPr>
+          <a:xfrm>
+            <a:off x="2505075" y="3566160"/>
+            <a:ext cx="1750695" cy="615315"/>
+          </a:xfrm>
+          <a:prstGeom prst="leftRightArrow">
+            <a:avLst/>
+          </a:prstGeom>
+        </p:spPr>
+        <p:style>
+          <a:lnRef idx="2">
+            <a:schemeClr val="accent1">
+              <a:shade val="50000"/>
+            </a:schemeClr>
+          </a:lnRef>
+          <a:fillRef idx="1">
+            <a:schemeClr val="accent1"/>
+          </a:fillRef>
+          <a:effectRef idx="0">
+            <a:schemeClr val="accent1"/>
+          </a:effectRef>
+          <a:fontRef idx="minor">
+            <a:schemeClr val="lt1"/>
+          </a:fontRef>
+        </p:style>
+        <p:txBody>
+          <a:bodyPr rtlCol="0" anchor="ctr"/>
+          <a:p>
+            <a:pPr algn="ctr"/>
+            <a:endParaRPr lang="zh-CN" altLang="en-US"/>
+          </a:p>
+        </p:txBody>
+      </p:sp>
+      <p:sp>
+        <p:nvSpPr>
+          <p:cNvPr id="20" name="左右箭头 19"/>
+          <p:cNvSpPr/>
+          <p:nvPr/>
+        </p:nvSpPr>
+        <p:spPr>
+          <a:xfrm>
+            <a:off x="7364730" y="3565525"/>
+            <a:ext cx="1750695" cy="615315"/>
+          </a:xfrm>
+          <a:prstGeom prst="leftRightArrow">
+            <a:avLst/>
+          </a:prstGeom>
+        </p:spPr>
+        <p:style>
+          <a:lnRef idx="2">
+            <a:schemeClr val="accent1">
+              <a:shade val="50000"/>
+            </a:schemeClr>
+          </a:lnRef>
+          <a:fillRef idx="1">
+            <a:schemeClr val="accent1"/>
+          </a:fillRef>
+          <a:effectRef idx="0">
+            <a:schemeClr val="accent1"/>
+          </a:effectRef>
+          <a:fontRef idx="minor">
+            <a:schemeClr val="lt1"/>
+          </a:fontRef>
+        </p:style>
+        <p:txBody>
+          <a:bodyPr rtlCol="0" anchor="ctr"/>
+          <a:p>
+            <a:pPr algn="ctr"/>
+            <a:endParaRPr lang="zh-CN" altLang="en-US"/>
+          </a:p>
+        </p:txBody>
+      </p:sp>
+      <p:sp>
+        <p:nvSpPr>
           <p:cNvPr id="22" name="文本框 21"/>
           <p:cNvSpPr txBox="1"/>
           <p:nvPr/>
@@ -4475,7 +6045,7 @@
         <p:spPr>
           <a:xfrm>
             <a:off x="223520" y="399415"/>
-            <a:ext cx="4271010" cy="706755"/>
+            <a:ext cx="3503295" cy="706755"/>
           </a:xfrm>
           <a:prstGeom prst="rect">
             <a:avLst/>
@@ -4493,7 +6063,7 @@
                 <a:latin typeface="+mj-lt"/>
                 <a:cs typeface="+mj-lt"/>
               </a:rPr>
-              <a:t>Relational Schemas</a:t>
+              <a:t>System Pipeline</a:t>
             </a:r>
             <a:endParaRPr lang="en-US" altLang="zh-CN" sz="4000" b="1">
               <a:latin typeface="+mj-lt"/>
@@ -4504,211 +6074,151 @@
       </p:sp>
       <p:sp>
         <p:nvSpPr>
-          <p:cNvPr id="2" name="文本框 1"/>
-          <p:cNvSpPr txBox="1"/>
+          <p:cNvPr id="2" name="矩形 1"/>
+          <p:cNvSpPr/>
           <p:nvPr/>
         </p:nvSpPr>
         <p:spPr>
           <a:xfrm>
-            <a:off x="427355" y="1535430"/>
-            <a:ext cx="8107045" cy="3415030"/>
+            <a:off x="-838200" y="-594360"/>
+            <a:ext cx="9953625" cy="8336280"/>
           </a:xfrm>
           <a:prstGeom prst="rect">
             <a:avLst/>
           </a:prstGeom>
-          <a:noFill/>
-        </p:spPr>
-        <p:txBody>
-          <a:bodyPr wrap="square" rtlCol="0" anchor="t">
-            <a:spAutoFit/>
-          </a:bodyPr>
-          <a:p>
-            <a:pPr marL="285750" indent="-285750" fontAlgn="auto">
-              <a:lnSpc>
-                <a:spcPct val="150000"/>
-              </a:lnSpc>
-              <a:buFont typeface="Arial" panose="020B0604020202020204" pitchFamily="34" charset="0"/>
-              <a:buChar char="•"/>
-            </a:pPr>
-            <a:r>
-              <a:rPr lang="zh-CN" altLang="en-US" sz="2400">
-                <a:cs typeface="+mn-lt"/>
-              </a:rPr>
-              <a:t>orders(</a:t>
-            </a:r>
-            <a:r>
-              <a:rPr lang="zh-CN" altLang="en-US" sz="2400" b="1" i="1" u="sng">
-                <a:cs typeface="+mn-lt"/>
-              </a:rPr>
-              <a:t>orderID</a:t>
-            </a:r>
-            <a:r>
-              <a:rPr lang="zh-CN" altLang="en-US" sz="2400">
-                <a:cs typeface="+mn-lt"/>
-              </a:rPr>
-              <a:t>, custID, sellerID, time, address, status)</a:t>
-            </a:r>
-            <a:endParaRPr lang="zh-CN" altLang="en-US" sz="2400">
-              <a:cs typeface="+mn-lt"/>
-            </a:endParaRPr>
-          </a:p>
-          <a:p>
-            <a:pPr marL="285750" indent="-285750" fontAlgn="auto">
-              <a:lnSpc>
-                <a:spcPct val="150000"/>
-              </a:lnSpc>
-              <a:buFont typeface="Arial" panose="020B0604020202020204" pitchFamily="34" charset="0"/>
-              <a:buChar char="•"/>
-            </a:pPr>
-            <a:r>
-              <a:rPr lang="zh-CN" altLang="en-US" sz="2400">
-                <a:cs typeface="+mn-lt"/>
-              </a:rPr>
-              <a:t>order_item(</a:t>
-            </a:r>
-            <a:r>
-              <a:rPr lang="zh-CN" altLang="en-US" sz="2400" b="1" i="1" u="sng">
-                <a:cs typeface="+mn-lt"/>
-              </a:rPr>
-              <a:t>orderID, itemID</a:t>
-            </a:r>
-            <a:r>
-              <a:rPr lang="zh-CN" altLang="en-US" sz="2400">
-                <a:cs typeface="+mn-lt"/>
-              </a:rPr>
-              <a:t>, quantity, rating)</a:t>
-            </a:r>
-            <a:endParaRPr lang="zh-CN" altLang="en-US" sz="2400">
-              <a:cs typeface="+mn-lt"/>
-            </a:endParaRPr>
-          </a:p>
-          <a:p>
-            <a:pPr marL="285750" indent="-285750" fontAlgn="auto">
-              <a:lnSpc>
-                <a:spcPct val="150000"/>
-              </a:lnSpc>
-              <a:buFont typeface="Arial" panose="020B0604020202020204" pitchFamily="34" charset="0"/>
-              <a:buChar char="•"/>
-            </a:pPr>
-            <a:r>
-              <a:rPr lang="zh-CN" altLang="en-US" sz="2400">
-                <a:cs typeface="+mn-lt"/>
-              </a:rPr>
-              <a:t>items(</a:t>
-            </a:r>
-            <a:r>
-              <a:rPr lang="zh-CN" altLang="en-US" sz="2400" b="1" i="1" u="sng">
-                <a:cs typeface="+mn-lt"/>
-              </a:rPr>
-              <a:t>itemID</a:t>
-            </a:r>
-            <a:r>
-              <a:rPr lang="zh-CN" altLang="en-US" sz="2400">
-                <a:cs typeface="+mn-lt"/>
-              </a:rPr>
-              <a:t>, sellerID, type, description, stock)</a:t>
-            </a:r>
-            <a:endParaRPr lang="zh-CN" altLang="en-US" sz="2400">
-              <a:cs typeface="+mn-lt"/>
-            </a:endParaRPr>
-          </a:p>
-          <a:p>
-            <a:pPr marL="285750" indent="-285750" fontAlgn="auto">
-              <a:lnSpc>
-                <a:spcPct val="150000"/>
-              </a:lnSpc>
-              <a:buFont typeface="Arial" panose="020B0604020202020204" pitchFamily="34" charset="0"/>
-              <a:buChar char="•"/>
-            </a:pPr>
-            <a:r>
-              <a:rPr lang="zh-CN" altLang="en-US" sz="2400">
-                <a:cs typeface="+mn-lt"/>
-              </a:rPr>
-              <a:t>sellers(</a:t>
-            </a:r>
-            <a:r>
-              <a:rPr lang="zh-CN" altLang="en-US" sz="2400" b="1" i="1" u="sng">
-                <a:cs typeface="+mn-lt"/>
-              </a:rPr>
-              <a:t>sellerID</a:t>
-            </a:r>
-            <a:r>
-              <a:rPr lang="zh-CN" altLang="en-US" sz="2400">
-                <a:cs typeface="+mn-lt"/>
-              </a:rPr>
-              <a:t>, seller_name)</a:t>
-            </a:r>
-            <a:endParaRPr lang="zh-CN" altLang="en-US" sz="2400">
-              <a:cs typeface="+mn-lt"/>
-            </a:endParaRPr>
-          </a:p>
-          <a:p>
-            <a:pPr marL="285750" indent="-285750" fontAlgn="auto">
-              <a:lnSpc>
-                <a:spcPct val="150000"/>
-              </a:lnSpc>
-              <a:buFont typeface="Arial" panose="020B0604020202020204" pitchFamily="34" charset="0"/>
-              <a:buChar char="•"/>
-            </a:pPr>
-            <a:r>
-              <a:rPr lang="zh-CN" altLang="en-US" sz="2400">
-                <a:cs typeface="+mn-lt"/>
-              </a:rPr>
-              <a:t>customers(</a:t>
-            </a:r>
-            <a:r>
-              <a:rPr lang="zh-CN" altLang="en-US" sz="2400" b="1" i="1" u="sng">
-                <a:cs typeface="+mn-lt"/>
-              </a:rPr>
-              <a:t>custID</a:t>
-            </a:r>
-            <a:r>
-              <a:rPr lang="zh-CN" altLang="en-US" sz="2400">
-                <a:cs typeface="+mn-lt"/>
-              </a:rPr>
-              <a:t>, cust_name, cust_gender, cust_age)</a:t>
-            </a:r>
-            <a:endParaRPr lang="zh-CN" altLang="en-US" sz="2400">
-              <a:cs typeface="+mn-lt"/>
-            </a:endParaRPr>
-          </a:p>
-          <a:p>
-            <a:pPr marL="285750" indent="-285750" fontAlgn="auto">
-              <a:lnSpc>
-                <a:spcPct val="150000"/>
-              </a:lnSpc>
-              <a:buFont typeface="Arial" panose="020B0604020202020204" pitchFamily="34" charset="0"/>
-              <a:buChar char="•"/>
-            </a:pPr>
-            <a:r>
-              <a:rPr lang="zh-CN" altLang="en-US" sz="2400">
-                <a:cs typeface="+mn-lt"/>
-              </a:rPr>
-              <a:t>addresses(</a:t>
-            </a:r>
-            <a:r>
-              <a:rPr lang="zh-CN" altLang="en-US" sz="2400" b="1" i="1" u="sng">
-                <a:cs typeface="+mn-lt"/>
-              </a:rPr>
-              <a:t>custID, address</a:t>
-            </a:r>
-            <a:r>
-              <a:rPr lang="zh-CN" altLang="en-US" sz="2400">
-                <a:cs typeface="+mn-lt"/>
-              </a:rPr>
-              <a:t>)</a:t>
-            </a:r>
-            <a:endParaRPr lang="zh-CN" altLang="en-US" sz="2400">
-              <a:cs typeface="+mn-lt"/>
-            </a:endParaRPr>
-          </a:p>
-        </p:txBody>
-      </p:sp>
+          <a:ln>
+            <a:noFill/>
+          </a:ln>
+        </p:spPr>
+        <p:style>
+          <a:lnRef idx="2">
+            <a:schemeClr val="accent6"/>
+          </a:lnRef>
+          <a:fillRef idx="1">
+            <a:schemeClr val="lt1"/>
+          </a:fillRef>
+          <a:effectRef idx="0">
+            <a:schemeClr val="accent6"/>
+          </a:effectRef>
+          <a:fontRef idx="minor">
+            <a:schemeClr val="dk1"/>
+          </a:fontRef>
+        </p:style>
+        <p:txBody>
+          <a:bodyPr rtlCol="0" anchor="ctr"/>
+          <a:p>
+            <a:pPr algn="ctr"/>
+            <a:endParaRPr lang="zh-CN" altLang="en-US"/>
+          </a:p>
+        </p:txBody>
+      </p:sp>
+      <p:pic>
+        <p:nvPicPr>
+          <p:cNvPr id="3" name="图片 2"/>
+          <p:cNvPicPr>
+            <a:picLocks noChangeAspect="1"/>
+          </p:cNvPicPr>
+          <p:nvPr/>
+        </p:nvPicPr>
+        <p:blipFill>
+          <a:blip r:embed="rId4"/>
+          <a:stretch>
+            <a:fillRect/>
+          </a:stretch>
+        </p:blipFill>
+        <p:spPr>
+          <a:xfrm>
+            <a:off x="6128385" y="2786380"/>
+            <a:ext cx="2251710" cy="1574165"/>
+          </a:xfrm>
+          <a:prstGeom prst="rect">
+            <a:avLst/>
+          </a:prstGeom>
+        </p:spPr>
+      </p:pic>
     </p:spTree>
   </p:cSld>
   <p:clrMapOvr>
     <a:masterClrMapping/>
   </p:clrMapOvr>
+  <p:transition>
+    <p:wipe/>
+  </p:transition>
+  <p:timing>
+    <p:tnLst>
+      <p:par>
+        <p:cTn id="1" dur="indefinite" restart="never" nodeType="tmRoot">
+          <p:childTnLst>
+            <p:seq concurrent="1" nextAc="seek">
+              <p:cTn id="2" dur="indefinite" nodeType="mainSeq">
+                <p:childTnLst>
+                  <p:par>
+                    <p:cTn id="3" fill="hold">
+                      <p:stCondLst>
+                        <p:cond delay="indefinite"/>
+                      </p:stCondLst>
+                      <p:childTnLst>
+                        <p:par>
+                          <p:cTn id="4" fill="hold">
+                            <p:stCondLst>
+                              <p:cond delay="0"/>
+                            </p:stCondLst>
+                            <p:childTnLst>
+                              <p:par>
+                                <p:cTn id="5" presetID="1" presetClass="entr" presetSubtype="0" fill="hold" nodeType="clickEffect">
+                                  <p:stCondLst>
+                                    <p:cond delay="0"/>
+                                  </p:stCondLst>
+                                  <p:childTnLst>
+                                    <p:set>
+                                      <p:cBhvr>
+                                        <p:cTn id="6" dur="1" fill="hold">
+                                          <p:stCondLst>
+                                            <p:cond delay="0"/>
+                                          </p:stCondLst>
+                                        </p:cTn>
+                                        <p:tgtEl>
+                                          <p:spTgt spid="3"/>
+                                        </p:tgtEl>
+                                        <p:attrNameLst>
+                                          <p:attrName>style.visibility</p:attrName>
+                                        </p:attrNameLst>
+                                      </p:cBhvr>
+                                      <p:to>
+                                        <p:strVal val="visible"/>
+                                      </p:to>
+                                    </p:set>
+                                  </p:childTnLst>
+                                </p:cTn>
+                              </p:par>
+                            </p:childTnLst>
+                          </p:cTn>
+                        </p:par>
+                      </p:childTnLst>
+                    </p:cTn>
+                  </p:par>
+                </p:childTnLst>
+              </p:cTn>
+              <p:prevCondLst>
+                <p:cond evt="onPrev" delay="0">
+                  <p:tgtEl>
+                    <p:sldTgt/>
+                  </p:tgtEl>
+                </p:cond>
+              </p:prevCondLst>
+              <p:nextCondLst>
+                <p:cond evt="onNext" delay="0">
+                  <p:tgtEl>
+                    <p:sldTgt/>
+                  </p:tgtEl>
+                </p:cond>
+              </p:nextCondLst>
+            </p:seq>
+          </p:childTnLst>
+        </p:cTn>
+      </p:par>
+    </p:tnLst>
+  </p:timing>
 </p:sld>
 </file>
 
@@ -4724,14 +6234,14 @@
       <p:grpSpPr/>
       <p:sp>
         <p:nvSpPr>
-          <p:cNvPr id="3" name="文本框 2"/>
+          <p:cNvPr id="22" name="文本框 21"/>
           <p:cNvSpPr txBox="1"/>
           <p:nvPr/>
         </p:nvSpPr>
         <p:spPr>
           <a:xfrm>
-            <a:off x="3173730" y="2782570"/>
-            <a:ext cx="5844540" cy="829945"/>
+            <a:off x="223520" y="399415"/>
+            <a:ext cx="2600325" cy="706755"/>
           </a:xfrm>
           <a:prstGeom prst="rect">
             <a:avLst/>
@@ -4739,23 +6249,49 @@
           <a:noFill/>
         </p:spPr>
         <p:txBody>
-          <a:bodyPr wrap="none" rtlCol="0" anchor="t">
+          <a:bodyPr wrap="none" rtlCol="0">
             <a:spAutoFit/>
           </a:bodyPr>
           <a:p>
-            <a:pPr algn="ctr"/>
-            <a:r>
-              <a:rPr lang="en-US" altLang="zh-CN" sz="4800" b="1">
+            <a:pPr algn="l"/>
+            <a:r>
+              <a:rPr lang="en-US" altLang="zh-CN" sz="4000" b="1">
                 <a:latin typeface="+mj-lt"/>
                 <a:cs typeface="+mj-lt"/>
-                <a:sym typeface="+mn-ea"/>
-              </a:rPr>
-              <a:t>System Functionalities</a:t>
-            </a:r>
-            <a:endParaRPr lang="zh-CN" altLang="en-US" sz="4800"/>
-          </a:p>
-        </p:txBody>
-      </p:sp>
+              </a:rPr>
+              <a:t>ER Diagram</a:t>
+            </a:r>
+            <a:endParaRPr lang="en-US" altLang="zh-CN" sz="4000" b="1">
+              <a:latin typeface="+mj-lt"/>
+              <a:cs typeface="+mj-lt"/>
+            </a:endParaRPr>
+          </a:p>
+        </p:txBody>
+      </p:sp>
+      <p:pic>
+        <p:nvPicPr>
+          <p:cNvPr id="2" name="图片 1"/>
+          <p:cNvPicPr>
+            <a:picLocks noChangeAspect="1"/>
+          </p:cNvPicPr>
+          <p:nvPr/>
+        </p:nvPicPr>
+        <p:blipFill>
+          <a:blip r:embed="rId1"/>
+          <a:stretch>
+            <a:fillRect/>
+          </a:stretch>
+        </p:blipFill>
+        <p:spPr>
+          <a:xfrm>
+            <a:off x="3464560" y="399415"/>
+            <a:ext cx="5793740" cy="6094095"/>
+          </a:xfrm>
+          <a:prstGeom prst="rect">
+            <a:avLst/>
+          </a:prstGeom>
+        </p:spPr>
+      </p:pic>
     </p:spTree>
   </p:cSld>
   <p:clrMapOvr>
@@ -4783,7 +6319,7 @@
         <p:spPr>
           <a:xfrm>
             <a:off x="223520" y="399415"/>
-            <a:ext cx="3870960" cy="706755"/>
+            <a:ext cx="4271010" cy="706755"/>
           </a:xfrm>
           <a:prstGeom prst="rect">
             <a:avLst/>
@@ -4801,7 +6337,7 @@
                 <a:latin typeface="+mj-lt"/>
                 <a:cs typeface="+mj-lt"/>
               </a:rPr>
-              <a:t>Shop Information</a:t>
+              <a:t>Relational Schemas</a:t>
             </a:r>
             <a:endParaRPr lang="en-US" altLang="zh-CN" sz="4000" b="1">
               <a:latin typeface="+mj-lt"/>
@@ -4810,75 +6346,16 @@
           </a:p>
         </p:txBody>
       </p:sp>
-      <p:pic>
-        <p:nvPicPr>
-          <p:cNvPr id="6" name="图片 5" descr="stock"/>
-          <p:cNvPicPr>
-            <a:picLocks noChangeAspect="1"/>
-          </p:cNvPicPr>
-          <p:nvPr/>
-        </p:nvPicPr>
-        <p:blipFill>
-          <a:blip r:embed="rId1"/>
-          <a:stretch>
-            <a:fillRect/>
-          </a:stretch>
-        </p:blipFill>
-        <p:spPr>
-          <a:xfrm>
-            <a:off x="419735" y="2339340"/>
-            <a:ext cx="5159375" cy="2381250"/>
-          </a:xfrm>
-          <a:prstGeom prst="rect">
-            <a:avLst/>
-          </a:prstGeom>
-          <a:ln w="25400">
-            <a:solidFill>
-              <a:schemeClr val="tx1"/>
-            </a:solidFill>
-          </a:ln>
-        </p:spPr>
-      </p:pic>
-      <p:pic>
-        <p:nvPicPr>
-          <p:cNvPr id="8" name="图片 7" descr="orders"/>
-          <p:cNvPicPr>
-            <a:picLocks noChangeAspect="1"/>
-          </p:cNvPicPr>
-          <p:nvPr/>
-        </p:nvPicPr>
-        <p:blipFill>
-          <a:blip r:embed="rId2"/>
-          <a:srcRect r="28757"/>
-          <a:stretch>
-            <a:fillRect/>
-          </a:stretch>
-        </p:blipFill>
-        <p:spPr>
-          <a:xfrm>
-            <a:off x="6273800" y="2296795"/>
-            <a:ext cx="5448935" cy="2423160"/>
-          </a:xfrm>
-          <a:prstGeom prst="rect">
-            <a:avLst/>
-          </a:prstGeom>
-          <a:ln w="25400">
-            <a:solidFill>
-              <a:schemeClr val="tx1"/>
-            </a:solidFill>
-          </a:ln>
-        </p:spPr>
-      </p:pic>
-      <p:sp>
-        <p:nvSpPr>
-          <p:cNvPr id="9" name="文本框 8"/>
+      <p:sp>
+        <p:nvSpPr>
+          <p:cNvPr id="2" name="文本框 1"/>
           <p:cNvSpPr txBox="1"/>
           <p:nvPr/>
         </p:nvSpPr>
         <p:spPr>
           <a:xfrm>
-            <a:off x="2135505" y="4883150"/>
-            <a:ext cx="1727200" cy="429895"/>
+            <a:off x="427355" y="1535430"/>
+            <a:ext cx="8107045" cy="3415030"/>
           </a:xfrm>
           <a:prstGeom prst="rect">
             <a:avLst/>
@@ -4886,44 +6363,188 @@
           <a:noFill/>
         </p:spPr>
         <p:txBody>
-          <a:bodyPr wrap="none" rtlCol="0">
+          <a:bodyPr wrap="square" rtlCol="0" anchor="t">
             <a:spAutoFit/>
           </a:bodyPr>
           <a:p>
-            <a:r>
-              <a:rPr lang="en-US" altLang="zh-CN" sz="2200" b="1" i="1"/>
-              <a:t>Items on Sale</a:t>
-            </a:r>
-            <a:endParaRPr lang="en-US" altLang="zh-CN" sz="2200" b="1" i="1"/>
-          </a:p>
-        </p:txBody>
-      </p:sp>
-      <p:sp>
-        <p:nvSpPr>
-          <p:cNvPr id="12" name="文本框 11"/>
-          <p:cNvSpPr txBox="1"/>
-          <p:nvPr/>
-        </p:nvSpPr>
-        <p:spPr>
-          <a:xfrm>
-            <a:off x="8258810" y="4883150"/>
-            <a:ext cx="1478280" cy="429895"/>
-          </a:xfrm>
-          <a:prstGeom prst="rect">
-            <a:avLst/>
-          </a:prstGeom>
-          <a:noFill/>
-        </p:spPr>
-        <p:txBody>
-          <a:bodyPr wrap="none" rtlCol="0">
-            <a:spAutoFit/>
-          </a:bodyPr>
-          <a:p>
-            <a:r>
-              <a:rPr lang="en-US" altLang="zh-CN" sz="2200" b="1" i="1"/>
-              <a:t>Orders Info</a:t>
-            </a:r>
-            <a:endParaRPr lang="en-US" altLang="zh-CN" sz="2200" b="1" i="1"/>
+            <a:pPr marL="285750" indent="-285750" fontAlgn="auto">
+              <a:lnSpc>
+                <a:spcPct val="150000"/>
+              </a:lnSpc>
+              <a:buFont typeface="Arial" panose="020B0604020202020204" pitchFamily="34" charset="0"/>
+              <a:buChar char="•"/>
+            </a:pPr>
+            <a:r>
+              <a:rPr lang="zh-CN" altLang="en-US" sz="2400">
+                <a:cs typeface="+mn-lt"/>
+              </a:rPr>
+              <a:t>orders(</a:t>
+            </a:r>
+            <a:r>
+              <a:rPr lang="zh-CN" altLang="en-US" sz="2400" b="1" i="1" u="sng">
+                <a:cs typeface="+mn-lt"/>
+              </a:rPr>
+              <a:t>orderID</a:t>
+            </a:r>
+            <a:r>
+              <a:rPr lang="zh-CN" altLang="en-US" sz="2400">
+                <a:cs typeface="+mn-lt"/>
+              </a:rPr>
+              <a:t>, custID, sellerID, time, address, status)</a:t>
+            </a:r>
+            <a:endParaRPr lang="zh-CN" altLang="en-US" sz="2400">
+              <a:cs typeface="+mn-lt"/>
+            </a:endParaRPr>
+          </a:p>
+          <a:p>
+            <a:pPr marL="285750" indent="-285750" fontAlgn="auto">
+              <a:lnSpc>
+                <a:spcPct val="150000"/>
+              </a:lnSpc>
+              <a:buFont typeface="Arial" panose="020B0604020202020204" pitchFamily="34" charset="0"/>
+              <a:buChar char="•"/>
+            </a:pPr>
+            <a:r>
+              <a:rPr lang="zh-CN" altLang="en-US" sz="2400">
+                <a:cs typeface="+mn-lt"/>
+              </a:rPr>
+              <a:t>order_item(</a:t>
+            </a:r>
+            <a:r>
+              <a:rPr lang="zh-CN" altLang="en-US" sz="2400" b="1" i="1" u="sng">
+                <a:cs typeface="+mn-lt"/>
+              </a:rPr>
+              <a:t>orderID, itemID</a:t>
+            </a:r>
+            <a:r>
+              <a:rPr lang="zh-CN" altLang="en-US" sz="2400">
+                <a:cs typeface="+mn-lt"/>
+              </a:rPr>
+              <a:t>, quantity, rating)</a:t>
+            </a:r>
+            <a:endParaRPr lang="zh-CN" altLang="en-US" sz="2400">
+              <a:cs typeface="+mn-lt"/>
+            </a:endParaRPr>
+          </a:p>
+          <a:p>
+            <a:pPr marL="285750" indent="-285750" fontAlgn="auto">
+              <a:lnSpc>
+                <a:spcPct val="150000"/>
+              </a:lnSpc>
+              <a:buFont typeface="Arial" panose="020B0604020202020204" pitchFamily="34" charset="0"/>
+              <a:buChar char="•"/>
+            </a:pPr>
+            <a:r>
+              <a:rPr lang="zh-CN" altLang="en-US" sz="2400">
+                <a:cs typeface="+mn-lt"/>
+              </a:rPr>
+              <a:t>items(</a:t>
+            </a:r>
+            <a:r>
+              <a:rPr lang="zh-CN" altLang="en-US" sz="2400" b="1" i="1" u="sng">
+                <a:cs typeface="+mn-lt"/>
+              </a:rPr>
+              <a:t>itemID</a:t>
+            </a:r>
+            <a:r>
+              <a:rPr lang="zh-CN" altLang="en-US" sz="2400">
+                <a:cs typeface="+mn-lt"/>
+              </a:rPr>
+              <a:t>, sellerID, type, description, stock)</a:t>
+            </a:r>
+            <a:endParaRPr lang="zh-CN" altLang="en-US" sz="2400">
+              <a:cs typeface="+mn-lt"/>
+            </a:endParaRPr>
+          </a:p>
+          <a:p>
+            <a:pPr marL="285750" indent="-285750" fontAlgn="auto">
+              <a:lnSpc>
+                <a:spcPct val="150000"/>
+              </a:lnSpc>
+              <a:buFont typeface="Arial" panose="020B0604020202020204" pitchFamily="34" charset="0"/>
+              <a:buChar char="•"/>
+            </a:pPr>
+            <a:r>
+              <a:rPr lang="zh-CN" altLang="en-US" sz="2400">
+                <a:cs typeface="+mn-lt"/>
+              </a:rPr>
+              <a:t>sellers(</a:t>
+            </a:r>
+            <a:r>
+              <a:rPr lang="zh-CN" altLang="en-US" sz="2400" b="1" i="1" u="sng">
+                <a:cs typeface="+mn-lt"/>
+              </a:rPr>
+              <a:t>sellerID</a:t>
+            </a:r>
+            <a:r>
+              <a:rPr lang="zh-CN" altLang="en-US" sz="2400">
+                <a:cs typeface="+mn-lt"/>
+              </a:rPr>
+              <a:t>, seller_name)</a:t>
+            </a:r>
+            <a:endParaRPr lang="zh-CN" altLang="en-US" sz="2400">
+              <a:cs typeface="+mn-lt"/>
+            </a:endParaRPr>
+          </a:p>
+          <a:p>
+            <a:pPr marL="285750" indent="-285750" fontAlgn="auto">
+              <a:lnSpc>
+                <a:spcPct val="150000"/>
+              </a:lnSpc>
+              <a:buFont typeface="Arial" panose="020B0604020202020204" pitchFamily="34" charset="0"/>
+              <a:buChar char="•"/>
+            </a:pPr>
+            <a:r>
+              <a:rPr lang="zh-CN" altLang="en-US" sz="2400">
+                <a:cs typeface="+mn-lt"/>
+              </a:rPr>
+              <a:t>customers(</a:t>
+            </a:r>
+            <a:r>
+              <a:rPr lang="zh-CN" altLang="en-US" sz="2400" b="1" i="1" u="sng">
+                <a:cs typeface="+mn-lt"/>
+              </a:rPr>
+              <a:t>custID</a:t>
+            </a:r>
+            <a:r>
+              <a:rPr lang="zh-CN" altLang="en-US" sz="2400">
+                <a:cs typeface="+mn-lt"/>
+              </a:rPr>
+              <a:t>, cust_name, cust_gender, cust_age)</a:t>
+            </a:r>
+            <a:endParaRPr lang="zh-CN" altLang="en-US" sz="2400">
+              <a:cs typeface="+mn-lt"/>
+            </a:endParaRPr>
+          </a:p>
+          <a:p>
+            <a:pPr marL="285750" indent="-285750" fontAlgn="auto">
+              <a:lnSpc>
+                <a:spcPct val="150000"/>
+              </a:lnSpc>
+              <a:buFont typeface="Arial" panose="020B0604020202020204" pitchFamily="34" charset="0"/>
+              <a:buChar char="•"/>
+            </a:pPr>
+            <a:r>
+              <a:rPr lang="zh-CN" altLang="en-US" sz="2400">
+                <a:cs typeface="+mn-lt"/>
+              </a:rPr>
+              <a:t>addresses(</a:t>
+            </a:r>
+            <a:r>
+              <a:rPr lang="zh-CN" altLang="en-US" sz="2400" b="1" i="1" u="sng">
+                <a:cs typeface="+mn-lt"/>
+              </a:rPr>
+              <a:t>custID, address</a:t>
+            </a:r>
+            <a:r>
+              <a:rPr lang="zh-CN" altLang="en-US" sz="2400">
+                <a:cs typeface="+mn-lt"/>
+              </a:rPr>
+              <a:t>)</a:t>
+            </a:r>
+            <a:endParaRPr lang="zh-CN" altLang="en-US" sz="2400">
+              <a:cs typeface="+mn-lt"/>
+            </a:endParaRPr>
           </a:p>
         </p:txBody>
       </p:sp>
@@ -4947,14 +6568,14 @@
       <p:grpSpPr/>
       <p:sp>
         <p:nvSpPr>
-          <p:cNvPr id="22" name="文本框 21"/>
+          <p:cNvPr id="3" name="文本框 2"/>
           <p:cNvSpPr txBox="1"/>
           <p:nvPr/>
         </p:nvSpPr>
         <p:spPr>
           <a:xfrm>
-            <a:off x="223520" y="399415"/>
-            <a:ext cx="5340350" cy="706755"/>
+            <a:off x="3173730" y="2782570"/>
+            <a:ext cx="5844540" cy="1322070"/>
           </a:xfrm>
           <a:prstGeom prst="rect">
             <a:avLst/>
@@ -4962,140 +6583,32 @@
           <a:noFill/>
         </p:spPr>
         <p:txBody>
-          <a:bodyPr wrap="none" rtlCol="0">
+          <a:bodyPr wrap="none" rtlCol="0" anchor="t">
             <a:spAutoFit/>
           </a:bodyPr>
           <a:p>
-            <a:pPr algn="l"/>
-            <a:r>
-              <a:rPr lang="en-US" altLang="zh-CN" sz="4000" b="1">
+            <a:pPr algn="ctr"/>
+            <a:r>
+              <a:rPr lang="en-US" altLang="zh-CN" sz="4800" b="1">
                 <a:latin typeface="+mj-lt"/>
                 <a:cs typeface="+mj-lt"/>
-              </a:rPr>
-              <a:t>Visual Analytics (Orders)</a:t>
-            </a:r>
-            <a:endParaRPr lang="en-US" altLang="zh-CN" sz="4000" b="1">
+                <a:sym typeface="+mn-ea"/>
+              </a:rPr>
+              <a:t>System Functionalities</a:t>
+            </a:r>
+            <a:endParaRPr lang="en-US" altLang="zh-CN" sz="4800" b="1">
               <a:latin typeface="+mj-lt"/>
               <a:cs typeface="+mj-lt"/>
+              <a:sym typeface="+mn-ea"/>
             </a:endParaRPr>
           </a:p>
-        </p:txBody>
-      </p:sp>
-      <p:pic>
-        <p:nvPicPr>
-          <p:cNvPr id="2" name="图片 1" descr="trend"/>
-          <p:cNvPicPr>
-            <a:picLocks noChangeAspect="1"/>
-          </p:cNvPicPr>
-          <p:nvPr/>
-        </p:nvPicPr>
-        <p:blipFill>
-          <a:blip r:embed="rId1"/>
-          <a:srcRect t="6689" r="7955" b="2334"/>
-          <a:stretch>
-            <a:fillRect/>
-          </a:stretch>
-        </p:blipFill>
-        <p:spPr>
-          <a:xfrm>
-            <a:off x="6488430" y="1932305"/>
-            <a:ext cx="4900295" cy="3039745"/>
-          </a:xfrm>
-          <a:prstGeom prst="rect">
-            <a:avLst/>
-          </a:prstGeom>
-          <a:ln w="25400">
-            <a:solidFill>
-              <a:schemeClr val="tx1"/>
-            </a:solidFill>
-          </a:ln>
-        </p:spPr>
-      </p:pic>
-      <p:pic>
-        <p:nvPicPr>
-          <p:cNvPr id="3" name="图片 2" descr="rating"/>
-          <p:cNvPicPr>
-            <a:picLocks noChangeAspect="1"/>
-          </p:cNvPicPr>
-          <p:nvPr/>
-        </p:nvPicPr>
-        <p:blipFill>
-          <a:blip r:embed="rId2"/>
-          <a:srcRect l="-164" t="-862" r="1633" b="2122"/>
-          <a:stretch>
-            <a:fillRect/>
-          </a:stretch>
-        </p:blipFill>
-        <p:spPr>
-          <a:xfrm>
-            <a:off x="593090" y="1912620"/>
-            <a:ext cx="5313680" cy="3059430"/>
-          </a:xfrm>
-          <a:prstGeom prst="rect">
-            <a:avLst/>
-          </a:prstGeom>
-          <a:ln w="25400">
-            <a:solidFill>
-              <a:schemeClr val="tx1"/>
-            </a:solidFill>
-          </a:ln>
-        </p:spPr>
-      </p:pic>
-      <p:sp>
-        <p:nvSpPr>
-          <p:cNvPr id="9" name="文本框 8"/>
-          <p:cNvSpPr txBox="1"/>
-          <p:nvPr/>
-        </p:nvSpPr>
-        <p:spPr>
-          <a:xfrm>
-            <a:off x="1874520" y="5160010"/>
-            <a:ext cx="2380615" cy="429895"/>
-          </a:xfrm>
-          <a:prstGeom prst="rect">
-            <a:avLst/>
-          </a:prstGeom>
-          <a:noFill/>
-        </p:spPr>
-        <p:txBody>
-          <a:bodyPr wrap="none" rtlCol="0">
-            <a:spAutoFit/>
-          </a:bodyPr>
-          <a:p>
-            <a:r>
-              <a:rPr lang="en-US" altLang="zh-CN" sz="2200" b="1" i="1"/>
-              <a:t>Rating Distribution</a:t>
-            </a:r>
-            <a:endParaRPr lang="en-US" altLang="zh-CN" sz="2200" b="1" i="1"/>
-          </a:p>
-        </p:txBody>
-      </p:sp>
-      <p:sp>
-        <p:nvSpPr>
-          <p:cNvPr id="12" name="文本框 11"/>
-          <p:cNvSpPr txBox="1"/>
-          <p:nvPr/>
-        </p:nvSpPr>
-        <p:spPr>
-          <a:xfrm>
-            <a:off x="8247380" y="5160010"/>
-            <a:ext cx="1497330" cy="429895"/>
-          </a:xfrm>
-          <a:prstGeom prst="rect">
-            <a:avLst/>
-          </a:prstGeom>
-          <a:noFill/>
-        </p:spPr>
-        <p:txBody>
-          <a:bodyPr wrap="none" rtlCol="0">
-            <a:spAutoFit/>
-          </a:bodyPr>
-          <a:p>
-            <a:r>
-              <a:rPr lang="en-US" altLang="zh-CN" sz="2200" b="1" i="1"/>
-              <a:t>Sales Trend</a:t>
-            </a:r>
-            <a:endParaRPr lang="en-US" altLang="zh-CN" sz="2200" b="1" i="1"/>
+          <a:p>
+            <a:pPr algn="ctr"/>
+            <a:r>
+              <a:rPr lang="en-US" altLang="zh-CN" sz="3200" i="1"/>
+              <a:t>(demo)</a:t>
+            </a:r>
+            <a:endParaRPr lang="en-US" altLang="zh-CN" sz="3200" i="1"/>
           </a:p>
         </p:txBody>
       </p:sp>
@@ -5126,7 +6639,7 @@
         <p:spPr>
           <a:xfrm>
             <a:off x="223520" y="399415"/>
-            <a:ext cx="6145530" cy="706755"/>
+            <a:ext cx="3870960" cy="706755"/>
           </a:xfrm>
           <a:prstGeom prst="rect">
             <a:avLst/>
@@ -5144,7 +6657,7 @@
                 <a:latin typeface="+mj-lt"/>
                 <a:cs typeface="+mj-lt"/>
               </a:rPr>
-              <a:t>Visual Analytics (Customers)</a:t>
+              <a:t>Shop Information</a:t>
             </a:r>
             <a:endParaRPr lang="en-US" altLang="zh-CN" sz="4000" b="1">
               <a:latin typeface="+mj-lt"/>
@@ -5161,8 +6674,8 @@
         </p:nvSpPr>
         <p:spPr>
           <a:xfrm>
-            <a:off x="1835150" y="5160010"/>
-            <a:ext cx="2460625" cy="429895"/>
+            <a:off x="2135505" y="4883150"/>
+            <a:ext cx="1727200" cy="429895"/>
           </a:xfrm>
           <a:prstGeom prst="rect">
             <a:avLst/>
@@ -5176,7 +6689,7 @@
           <a:p>
             <a:r>
               <a:rPr lang="en-US" altLang="zh-CN" sz="2200" b="1" i="1"/>
-              <a:t>Gender Distribution</a:t>
+              <a:t>Items on Sale</a:t>
             </a:r>
             <a:endParaRPr lang="en-US" altLang="zh-CN" sz="2200" b="1" i="1"/>
           </a:p>
@@ -5190,8 +6703,8 @@
         </p:nvSpPr>
         <p:spPr>
           <a:xfrm>
-            <a:off x="7773670" y="5160010"/>
-            <a:ext cx="2600960" cy="429895"/>
+            <a:off x="8258810" y="4883150"/>
+            <a:ext cx="1478280" cy="429895"/>
           </a:xfrm>
           <a:prstGeom prst="rect">
             <a:avLst/>
@@ -5203,12 +6716,9 @@
             <a:spAutoFit/>
           </a:bodyPr>
           <a:p>
-            <a:pPr algn="l"/>
-            <a:r>
-              <a:rPr lang="en-US" altLang="zh-CN" sz="2200" b="1" i="1">
-                <a:sym typeface="+mn-ea"/>
-              </a:rPr>
-              <a:t>Location Distribution</a:t>
+            <a:r>
+              <a:rPr lang="en-US" altLang="zh-CN" sz="2200" b="1" i="1"/>
+              <a:t>Orders Info</a:t>
             </a:r>
             <a:endParaRPr lang="en-US" altLang="zh-CN" sz="2200" b="1" i="1"/>
           </a:p>
@@ -5216,7 +6726,7 @@
       </p:sp>
       <p:pic>
         <p:nvPicPr>
-          <p:cNvPr id="4" name="图片 3" descr="location"/>
+          <p:cNvPr id="2" name="图片 1"/>
           <p:cNvPicPr>
             <a:picLocks noChangeAspect="1"/>
           </p:cNvPicPr>
@@ -5230,22 +6740,23 @@
         </p:blipFill>
         <p:spPr>
           <a:xfrm>
-            <a:off x="6369050" y="1929130"/>
-            <a:ext cx="5410200" cy="3134360"/>
+            <a:off x="594360" y="2339340"/>
+            <a:ext cx="4810125" cy="2407920"/>
           </a:xfrm>
           <a:prstGeom prst="rect">
             <a:avLst/>
           </a:prstGeom>
-          <a:ln w="25400">
+          <a:ln w="25400" cmpd="sng">
             <a:solidFill>
               <a:schemeClr val="tx1"/>
             </a:solidFill>
+            <a:prstDash val="solid"/>
           </a:ln>
         </p:spPr>
       </p:pic>
       <p:pic>
         <p:nvPicPr>
-          <p:cNvPr id="5" name="图片 4" descr="gender"/>
+          <p:cNvPr id="3" name="图片 2"/>
           <p:cNvPicPr>
             <a:picLocks noChangeAspect="1"/>
           </p:cNvPicPr>
@@ -5259,16 +6770,17 @@
         </p:blipFill>
         <p:spPr>
           <a:xfrm>
-            <a:off x="362585" y="1929130"/>
-            <a:ext cx="5406390" cy="3134360"/>
+            <a:off x="6543675" y="2339340"/>
+            <a:ext cx="4908550" cy="2459990"/>
           </a:xfrm>
           <a:prstGeom prst="rect">
             <a:avLst/>
           </a:prstGeom>
-          <a:ln w="25400">
+          <a:ln w="25400" cmpd="sng">
             <a:solidFill>
               <a:schemeClr val="tx1"/>
             </a:solidFill>
+            <a:prstDash val="solid"/>
           </a:ln>
         </p:spPr>
       </p:pic>
@@ -5292,14 +6804,14 @@
       <p:grpSpPr/>
       <p:sp>
         <p:nvSpPr>
-          <p:cNvPr id="3" name="文本框 2"/>
+          <p:cNvPr id="22" name="文本框 21"/>
           <p:cNvSpPr txBox="1"/>
           <p:nvPr/>
         </p:nvSpPr>
         <p:spPr>
           <a:xfrm>
-            <a:off x="3044190" y="2782570"/>
-            <a:ext cx="6103620" cy="829945"/>
+            <a:off x="223520" y="399415"/>
+            <a:ext cx="5340350" cy="706755"/>
           </a:xfrm>
           <a:prstGeom prst="rect">
             <a:avLst/>
@@ -5307,20 +6819,140 @@
           <a:noFill/>
         </p:spPr>
         <p:txBody>
-          <a:bodyPr wrap="none" rtlCol="0" anchor="t">
+          <a:bodyPr wrap="none" rtlCol="0">
             <a:spAutoFit/>
           </a:bodyPr>
           <a:p>
-            <a:pPr algn="ctr"/>
-            <a:r>
-              <a:rPr lang="en-US" sz="4800" b="1">
+            <a:pPr algn="l"/>
+            <a:r>
+              <a:rPr lang="en-US" altLang="zh-CN" sz="4000" b="1">
                 <a:latin typeface="+mj-lt"/>
                 <a:cs typeface="+mj-lt"/>
-                <a:sym typeface="+mn-ea"/>
-              </a:rPr>
-              <a:t>Members' Contribution</a:t>
-            </a:r>
-            <a:endParaRPr lang="en-US" sz="4800"/>
+              </a:rPr>
+              <a:t>Visual Analytics (Orders)</a:t>
+            </a:r>
+            <a:endParaRPr lang="en-US" altLang="zh-CN" sz="4000" b="1">
+              <a:latin typeface="+mj-lt"/>
+              <a:cs typeface="+mj-lt"/>
+            </a:endParaRPr>
+          </a:p>
+        </p:txBody>
+      </p:sp>
+      <p:pic>
+        <p:nvPicPr>
+          <p:cNvPr id="2" name="图片 1" descr="trend"/>
+          <p:cNvPicPr>
+            <a:picLocks noChangeAspect="1"/>
+          </p:cNvPicPr>
+          <p:nvPr/>
+        </p:nvPicPr>
+        <p:blipFill>
+          <a:blip r:embed="rId1"/>
+          <a:srcRect t="6689" r="7955" b="2334"/>
+          <a:stretch>
+            <a:fillRect/>
+          </a:stretch>
+        </p:blipFill>
+        <p:spPr>
+          <a:xfrm>
+            <a:off x="6488430" y="1932305"/>
+            <a:ext cx="4900295" cy="3039745"/>
+          </a:xfrm>
+          <a:prstGeom prst="rect">
+            <a:avLst/>
+          </a:prstGeom>
+          <a:ln w="25400">
+            <a:solidFill>
+              <a:schemeClr val="tx1"/>
+            </a:solidFill>
+          </a:ln>
+        </p:spPr>
+      </p:pic>
+      <p:pic>
+        <p:nvPicPr>
+          <p:cNvPr id="3" name="图片 2" descr="rating"/>
+          <p:cNvPicPr>
+            <a:picLocks noChangeAspect="1"/>
+          </p:cNvPicPr>
+          <p:nvPr/>
+        </p:nvPicPr>
+        <p:blipFill>
+          <a:blip r:embed="rId2"/>
+          <a:srcRect l="-164" t="-862" r="1633" b="2122"/>
+          <a:stretch>
+            <a:fillRect/>
+          </a:stretch>
+        </p:blipFill>
+        <p:spPr>
+          <a:xfrm>
+            <a:off x="593090" y="1912620"/>
+            <a:ext cx="5313680" cy="3059430"/>
+          </a:xfrm>
+          <a:prstGeom prst="rect">
+            <a:avLst/>
+          </a:prstGeom>
+          <a:ln w="25400">
+            <a:solidFill>
+              <a:schemeClr val="tx1"/>
+            </a:solidFill>
+          </a:ln>
+        </p:spPr>
+      </p:pic>
+      <p:sp>
+        <p:nvSpPr>
+          <p:cNvPr id="9" name="文本框 8"/>
+          <p:cNvSpPr txBox="1"/>
+          <p:nvPr/>
+        </p:nvSpPr>
+        <p:spPr>
+          <a:xfrm>
+            <a:off x="1874520" y="5160010"/>
+            <a:ext cx="2380615" cy="429895"/>
+          </a:xfrm>
+          <a:prstGeom prst="rect">
+            <a:avLst/>
+          </a:prstGeom>
+          <a:noFill/>
+        </p:spPr>
+        <p:txBody>
+          <a:bodyPr wrap="none" rtlCol="0">
+            <a:spAutoFit/>
+          </a:bodyPr>
+          <a:p>
+            <a:r>
+              <a:rPr lang="en-US" altLang="zh-CN" sz="2200" b="1" i="1"/>
+              <a:t>Rating Distribution</a:t>
+            </a:r>
+            <a:endParaRPr lang="en-US" altLang="zh-CN" sz="2200" b="1" i="1"/>
+          </a:p>
+        </p:txBody>
+      </p:sp>
+      <p:sp>
+        <p:nvSpPr>
+          <p:cNvPr id="12" name="文本框 11"/>
+          <p:cNvSpPr txBox="1"/>
+          <p:nvPr/>
+        </p:nvSpPr>
+        <p:spPr>
+          <a:xfrm>
+            <a:off x="8247380" y="5160010"/>
+            <a:ext cx="1497330" cy="429895"/>
+          </a:xfrm>
+          <a:prstGeom prst="rect">
+            <a:avLst/>
+          </a:prstGeom>
+          <a:noFill/>
+        </p:spPr>
+        <p:txBody>
+          <a:bodyPr wrap="none" rtlCol="0">
+            <a:spAutoFit/>
+          </a:bodyPr>
+          <a:p>
+            <a:r>
+              <a:rPr lang="en-US" altLang="zh-CN" sz="2200" b="1" i="1"/>
+              <a:t>Sales Trend</a:t>
+            </a:r>
+            <a:endParaRPr lang="en-US" altLang="zh-CN" sz="2200" b="1" i="1"/>
           </a:p>
         </p:txBody>
       </p:sp>
